--- a/src/08-Collections/08-Collections.pptx
+++ b/src/08-Collections/08-Collections.pptx
@@ -22,31 +22,32 @@
     <p:sldId id="373" r:id="rId16"/>
     <p:sldId id="374" r:id="rId17"/>
     <p:sldId id="377" r:id="rId18"/>
-    <p:sldId id="259" r:id="rId19"/>
-    <p:sldId id="260" r:id="rId20"/>
-    <p:sldId id="261" r:id="rId21"/>
-    <p:sldId id="269" r:id="rId22"/>
-    <p:sldId id="270" r:id="rId23"/>
-    <p:sldId id="271" r:id="rId24"/>
-    <p:sldId id="272" r:id="rId25"/>
-    <p:sldId id="318" r:id="rId26"/>
-    <p:sldId id="319" r:id="rId27"/>
-    <p:sldId id="320" r:id="rId28"/>
-    <p:sldId id="321" r:id="rId29"/>
-    <p:sldId id="322" r:id="rId30"/>
-    <p:sldId id="323" r:id="rId31"/>
-    <p:sldId id="317" r:id="rId32"/>
-    <p:sldId id="324" r:id="rId33"/>
-    <p:sldId id="268" r:id="rId34"/>
-    <p:sldId id="325" r:id="rId35"/>
-    <p:sldId id="274" r:id="rId36"/>
-    <p:sldId id="326" r:id="rId37"/>
-    <p:sldId id="327" r:id="rId38"/>
-    <p:sldId id="328" r:id="rId39"/>
-    <p:sldId id="329" r:id="rId40"/>
-    <p:sldId id="330" r:id="rId41"/>
-    <p:sldId id="331" r:id="rId42"/>
-    <p:sldId id="258" r:id="rId43"/>
+    <p:sldId id="378" r:id="rId19"/>
+    <p:sldId id="259" r:id="rId20"/>
+    <p:sldId id="260" r:id="rId21"/>
+    <p:sldId id="261" r:id="rId22"/>
+    <p:sldId id="269" r:id="rId23"/>
+    <p:sldId id="270" r:id="rId24"/>
+    <p:sldId id="271" r:id="rId25"/>
+    <p:sldId id="272" r:id="rId26"/>
+    <p:sldId id="318" r:id="rId27"/>
+    <p:sldId id="319" r:id="rId28"/>
+    <p:sldId id="320" r:id="rId29"/>
+    <p:sldId id="321" r:id="rId30"/>
+    <p:sldId id="322" r:id="rId31"/>
+    <p:sldId id="323" r:id="rId32"/>
+    <p:sldId id="317" r:id="rId33"/>
+    <p:sldId id="324" r:id="rId34"/>
+    <p:sldId id="268" r:id="rId35"/>
+    <p:sldId id="325" r:id="rId36"/>
+    <p:sldId id="274" r:id="rId37"/>
+    <p:sldId id="326" r:id="rId38"/>
+    <p:sldId id="327" r:id="rId39"/>
+    <p:sldId id="328" r:id="rId40"/>
+    <p:sldId id="329" r:id="rId41"/>
+    <p:sldId id="330" r:id="rId42"/>
+    <p:sldId id="331" r:id="rId43"/>
+    <p:sldId id="258" r:id="rId44"/>
   </p:sldIdLst>
   <p:sldSz cx="12192000" cy="6858000"/>
   <p:notesSz cx="6858000" cy="9144000"/>
@@ -174,6 +175,7 @@
             <p14:sldId id="373"/>
             <p14:sldId id="374"/>
             <p14:sldId id="377"/>
+            <p14:sldId id="378"/>
           </p14:sldIdLst>
         </p14:section>
         <p14:section name="Iterator" id="{DC13BEA7-051A-4317-B4F6-E0034EFD19F4}">
@@ -9881,10 +9883,599 @@
           <a:bodyPr/>
           <a:lstStyle/>
           <a:p>
-            <a:r>
-              <a:rPr lang="en-US" dirty="0"/>
-              <a:t>TBD</a:t>
-            </a:r>
+            <a:pPr marL="0" indent="0">
+              <a:buNone/>
+            </a:pPr>
+            <a:r>
+              <a:rPr lang="en-US" dirty="0">
+                <a:solidFill>
+                  <a:srgbClr val="0033B3"/>
+                </a:solidFill>
+                <a:effectLst/>
+                <a:latin typeface="JetBrains Mono"/>
+              </a:rPr>
+              <a:t>let mut </a:t>
+            </a:r>
+            <a:r>
+              <a:rPr lang="en-US" dirty="0">
+                <a:solidFill>
+                  <a:srgbClr val="000000"/>
+                </a:solidFill>
+                <a:effectLst/>
+                <a:latin typeface="JetBrains Mono"/>
+              </a:rPr>
+              <a:t>scores </a:t>
+            </a:r>
+            <a:r>
+              <a:rPr lang="en-US" dirty="0">
+                <a:solidFill>
+                  <a:srgbClr val="080808"/>
+                </a:solidFill>
+                <a:effectLst/>
+                <a:latin typeface="JetBrains Mono"/>
+              </a:rPr>
+              <a:t>= </a:t>
+            </a:r>
+            <a:r>
+              <a:rPr lang="en-US" dirty="0">
+                <a:solidFill>
+                  <a:srgbClr val="000000"/>
+                </a:solidFill>
+                <a:effectLst/>
+                <a:latin typeface="JetBrains Mono"/>
+              </a:rPr>
+              <a:t>HashMap</a:t>
+            </a:r>
+            <a:r>
+              <a:rPr lang="en-US" dirty="0">
+                <a:solidFill>
+                  <a:srgbClr val="080808"/>
+                </a:solidFill>
+                <a:effectLst/>
+                <a:latin typeface="JetBrains Mono"/>
+              </a:rPr>
+              <a:t>::</a:t>
+            </a:r>
+            <a:r>
+              <a:rPr lang="en-US" i="1" dirty="0">
+                <a:solidFill>
+                  <a:srgbClr val="00627A"/>
+                </a:solidFill>
+                <a:effectLst/>
+                <a:latin typeface="JetBrains Mono"/>
+              </a:rPr>
+              <a:t>new</a:t>
+            </a:r>
+            <a:r>
+              <a:rPr lang="en-US" dirty="0">
+                <a:solidFill>
+                  <a:srgbClr val="080808"/>
+                </a:solidFill>
+                <a:effectLst/>
+                <a:latin typeface="JetBrains Mono"/>
+              </a:rPr>
+              <a:t>();</a:t>
+            </a:r>
+          </a:p>
+          <a:p>
+            <a:pPr marL="0" indent="0">
+              <a:buNone/>
+            </a:pPr>
+            <a:r>
+              <a:rPr lang="en-US" dirty="0" err="1">
+                <a:solidFill>
+                  <a:srgbClr val="000000"/>
+                </a:solidFill>
+                <a:effectLst/>
+                <a:latin typeface="JetBrains Mono"/>
+              </a:rPr>
+              <a:t>scores</a:t>
+            </a:r>
+            <a:r>
+              <a:rPr lang="en-US" dirty="0" err="1">
+                <a:solidFill>
+                  <a:srgbClr val="080808"/>
+                </a:solidFill>
+                <a:effectLst/>
+                <a:latin typeface="JetBrains Mono"/>
+              </a:rPr>
+              <a:t>.insert</a:t>
+            </a:r>
+            <a:r>
+              <a:rPr lang="en-US" dirty="0">
+                <a:solidFill>
+                  <a:srgbClr val="080808"/>
+                </a:solidFill>
+                <a:effectLst/>
+                <a:latin typeface="JetBrains Mono"/>
+              </a:rPr>
+              <a:t>(</a:t>
+            </a:r>
+            <a:r>
+              <a:rPr lang="en-US" dirty="0">
+                <a:solidFill>
+                  <a:srgbClr val="000000"/>
+                </a:solidFill>
+                <a:effectLst/>
+                <a:latin typeface="JetBrains Mono"/>
+              </a:rPr>
+              <a:t>String</a:t>
+            </a:r>
+            <a:r>
+              <a:rPr lang="en-US" dirty="0">
+                <a:solidFill>
+                  <a:srgbClr val="080808"/>
+                </a:solidFill>
+                <a:effectLst/>
+                <a:latin typeface="JetBrains Mono"/>
+              </a:rPr>
+              <a:t>::</a:t>
+            </a:r>
+            <a:r>
+              <a:rPr lang="en-US" i="1" dirty="0">
+                <a:solidFill>
+                  <a:srgbClr val="00627A"/>
+                </a:solidFill>
+                <a:effectLst/>
+                <a:latin typeface="JetBrains Mono"/>
+              </a:rPr>
+              <a:t>from</a:t>
+            </a:r>
+            <a:r>
+              <a:rPr lang="en-US" dirty="0">
+                <a:solidFill>
+                  <a:srgbClr val="080808"/>
+                </a:solidFill>
+                <a:effectLst/>
+                <a:latin typeface="JetBrains Mono"/>
+              </a:rPr>
+              <a:t>(</a:t>
+            </a:r>
+            <a:r>
+              <a:rPr lang="en-US" dirty="0">
+                <a:solidFill>
+                  <a:srgbClr val="067D17"/>
+                </a:solidFill>
+                <a:effectLst/>
+                <a:latin typeface="JetBrains Mono"/>
+              </a:rPr>
+              <a:t>"Blue"</a:t>
+            </a:r>
+            <a:r>
+              <a:rPr lang="en-US" dirty="0">
+                <a:solidFill>
+                  <a:srgbClr val="080808"/>
+                </a:solidFill>
+                <a:effectLst/>
+                <a:latin typeface="JetBrains Mono"/>
+              </a:rPr>
+              <a:t>), </a:t>
+            </a:r>
+            <a:r>
+              <a:rPr lang="en-US" dirty="0">
+                <a:solidFill>
+                  <a:srgbClr val="1750EB"/>
+                </a:solidFill>
+                <a:effectLst/>
+                <a:latin typeface="JetBrains Mono"/>
+              </a:rPr>
+              <a:t>10</a:t>
+            </a:r>
+            <a:r>
+              <a:rPr lang="en-US" dirty="0">
+                <a:solidFill>
+                  <a:srgbClr val="080808"/>
+                </a:solidFill>
+                <a:effectLst/>
+                <a:latin typeface="JetBrains Mono"/>
+              </a:rPr>
+              <a:t>);</a:t>
+            </a:r>
+          </a:p>
+          <a:p>
+            <a:pPr marL="0" indent="0">
+              <a:buNone/>
+            </a:pPr>
+            <a:r>
+              <a:rPr lang="en-US" dirty="0" err="1">
+                <a:solidFill>
+                  <a:srgbClr val="000000"/>
+                </a:solidFill>
+                <a:effectLst/>
+                <a:latin typeface="JetBrains Mono"/>
+              </a:rPr>
+              <a:t>scores</a:t>
+            </a:r>
+            <a:r>
+              <a:rPr lang="en-US" dirty="0" err="1">
+                <a:solidFill>
+                  <a:srgbClr val="080808"/>
+                </a:solidFill>
+                <a:effectLst/>
+                <a:latin typeface="JetBrains Mono"/>
+              </a:rPr>
+              <a:t>.insert</a:t>
+            </a:r>
+            <a:r>
+              <a:rPr lang="en-US" dirty="0">
+                <a:solidFill>
+                  <a:srgbClr val="080808"/>
+                </a:solidFill>
+                <a:effectLst/>
+                <a:latin typeface="JetBrains Mono"/>
+              </a:rPr>
+              <a:t>(</a:t>
+            </a:r>
+            <a:r>
+              <a:rPr lang="en-US" dirty="0">
+                <a:solidFill>
+                  <a:srgbClr val="000000"/>
+                </a:solidFill>
+                <a:effectLst/>
+                <a:latin typeface="JetBrains Mono"/>
+              </a:rPr>
+              <a:t>String</a:t>
+            </a:r>
+            <a:r>
+              <a:rPr lang="en-US" dirty="0">
+                <a:solidFill>
+                  <a:srgbClr val="080808"/>
+                </a:solidFill>
+                <a:effectLst/>
+                <a:latin typeface="JetBrains Mono"/>
+              </a:rPr>
+              <a:t>::</a:t>
+            </a:r>
+            <a:r>
+              <a:rPr lang="en-US" i="1" dirty="0">
+                <a:solidFill>
+                  <a:srgbClr val="00627A"/>
+                </a:solidFill>
+                <a:effectLst/>
+                <a:latin typeface="JetBrains Mono"/>
+              </a:rPr>
+              <a:t>from</a:t>
+            </a:r>
+            <a:r>
+              <a:rPr lang="en-US" dirty="0">
+                <a:solidFill>
+                  <a:srgbClr val="080808"/>
+                </a:solidFill>
+                <a:effectLst/>
+                <a:latin typeface="JetBrains Mono"/>
+              </a:rPr>
+              <a:t>(</a:t>
+            </a:r>
+            <a:r>
+              <a:rPr lang="en-US" dirty="0">
+                <a:solidFill>
+                  <a:srgbClr val="067D17"/>
+                </a:solidFill>
+                <a:effectLst/>
+                <a:latin typeface="JetBrains Mono"/>
+              </a:rPr>
+              <a:t>"Yellow"</a:t>
+            </a:r>
+            <a:r>
+              <a:rPr lang="en-US" dirty="0">
+                <a:solidFill>
+                  <a:srgbClr val="080808"/>
+                </a:solidFill>
+                <a:effectLst/>
+                <a:latin typeface="JetBrains Mono"/>
+              </a:rPr>
+              <a:t>), </a:t>
+            </a:r>
+            <a:r>
+              <a:rPr lang="en-US" dirty="0">
+                <a:solidFill>
+                  <a:srgbClr val="1750EB"/>
+                </a:solidFill>
+                <a:effectLst/>
+                <a:latin typeface="JetBrains Mono"/>
+              </a:rPr>
+              <a:t>50</a:t>
+            </a:r>
+            <a:r>
+              <a:rPr lang="en-US" dirty="0">
+                <a:solidFill>
+                  <a:srgbClr val="080808"/>
+                </a:solidFill>
+                <a:effectLst/>
+                <a:latin typeface="JetBrains Mono"/>
+              </a:rPr>
+              <a:t>);</a:t>
+            </a:r>
+          </a:p>
+          <a:p>
+            <a:pPr marL="0" indent="0">
+              <a:buNone/>
+            </a:pPr>
+            <a:r>
+              <a:rPr lang="en-US" dirty="0" err="1">
+                <a:solidFill>
+                  <a:srgbClr val="000000"/>
+                </a:solidFill>
+                <a:effectLst/>
+                <a:latin typeface="JetBrains Mono"/>
+              </a:rPr>
+              <a:t>scores</a:t>
+            </a:r>
+            <a:r>
+              <a:rPr lang="en-US" dirty="0" err="1">
+                <a:solidFill>
+                  <a:srgbClr val="080808"/>
+                </a:solidFill>
+                <a:effectLst/>
+                <a:latin typeface="JetBrains Mono"/>
+              </a:rPr>
+              <a:t>.remove</a:t>
+            </a:r>
+            <a:r>
+              <a:rPr lang="en-US" dirty="0">
+                <a:solidFill>
+                  <a:srgbClr val="080808"/>
+                </a:solidFill>
+                <a:effectLst/>
+                <a:latin typeface="JetBrains Mono"/>
+              </a:rPr>
+              <a:t>(</a:t>
+            </a:r>
+            <a:r>
+              <a:rPr lang="en-US" dirty="0">
+                <a:solidFill>
+                  <a:srgbClr val="067D17"/>
+                </a:solidFill>
+                <a:effectLst/>
+                <a:latin typeface="JetBrains Mono"/>
+              </a:rPr>
+              <a:t>"Blue"</a:t>
+            </a:r>
+            <a:r>
+              <a:rPr lang="en-US" dirty="0">
+                <a:solidFill>
+                  <a:srgbClr val="080808"/>
+                </a:solidFill>
+                <a:effectLst/>
+                <a:latin typeface="JetBrains Mono"/>
+              </a:rPr>
+              <a:t>);</a:t>
+            </a:r>
+          </a:p>
+          <a:p>
+            <a:pPr marL="0" indent="0">
+              <a:buNone/>
+            </a:pPr>
+            <a:r>
+              <a:rPr lang="en-US" dirty="0">
+                <a:solidFill>
+                  <a:srgbClr val="0033B3"/>
+                </a:solidFill>
+                <a:effectLst/>
+                <a:latin typeface="JetBrains Mono"/>
+              </a:rPr>
+              <a:t>let </a:t>
+            </a:r>
+            <a:r>
+              <a:rPr lang="en-US" dirty="0">
+                <a:solidFill>
+                  <a:srgbClr val="000000"/>
+                </a:solidFill>
+                <a:effectLst/>
+                <a:latin typeface="JetBrains Mono"/>
+              </a:rPr>
+              <a:t>contains</a:t>
+            </a:r>
+            <a:r>
+              <a:rPr lang="en-US" dirty="0">
+                <a:solidFill>
+                  <a:srgbClr val="080808"/>
+                </a:solidFill>
+                <a:effectLst/>
+                <a:latin typeface="JetBrains Mono"/>
+              </a:rPr>
+              <a:t>: </a:t>
+            </a:r>
+            <a:r>
+              <a:rPr lang="en-US" dirty="0">
+                <a:solidFill>
+                  <a:srgbClr val="0033B3"/>
+                </a:solidFill>
+                <a:effectLst/>
+                <a:latin typeface="JetBrains Mono"/>
+              </a:rPr>
+              <a:t>bool </a:t>
+            </a:r>
+            <a:r>
+              <a:rPr lang="en-US" dirty="0">
+                <a:solidFill>
+                  <a:srgbClr val="080808"/>
+                </a:solidFill>
+                <a:effectLst/>
+                <a:latin typeface="JetBrains Mono"/>
+              </a:rPr>
+              <a:t>= </a:t>
+            </a:r>
+            <a:r>
+              <a:rPr lang="en-US" dirty="0" err="1">
+                <a:solidFill>
+                  <a:srgbClr val="000000"/>
+                </a:solidFill>
+                <a:effectLst/>
+                <a:latin typeface="JetBrains Mono"/>
+              </a:rPr>
+              <a:t>scores</a:t>
+            </a:r>
+            <a:r>
+              <a:rPr lang="en-US" dirty="0" err="1">
+                <a:solidFill>
+                  <a:srgbClr val="080808"/>
+                </a:solidFill>
+                <a:effectLst/>
+                <a:latin typeface="JetBrains Mono"/>
+              </a:rPr>
+              <a:t>.contains_key</a:t>
+            </a:r>
+            <a:r>
+              <a:rPr lang="en-US" dirty="0">
+                <a:solidFill>
+                  <a:srgbClr val="080808"/>
+                </a:solidFill>
+                <a:effectLst/>
+                <a:latin typeface="JetBrains Mono"/>
+              </a:rPr>
+              <a:t>(</a:t>
+            </a:r>
+            <a:r>
+              <a:rPr lang="en-US" dirty="0">
+                <a:solidFill>
+                  <a:srgbClr val="067D17"/>
+                </a:solidFill>
+                <a:effectLst/>
+                <a:latin typeface="JetBrains Mono"/>
+              </a:rPr>
+              <a:t>"Yellow"</a:t>
+            </a:r>
+            <a:r>
+              <a:rPr lang="en-US" dirty="0">
+                <a:solidFill>
+                  <a:srgbClr val="080808"/>
+                </a:solidFill>
+                <a:effectLst/>
+                <a:latin typeface="JetBrains Mono"/>
+              </a:rPr>
+              <a:t>);</a:t>
+            </a:r>
+          </a:p>
+          <a:p>
+            <a:pPr marL="0" indent="0">
+              <a:buNone/>
+            </a:pPr>
+            <a:r>
+              <a:rPr lang="en-US" dirty="0">
+                <a:solidFill>
+                  <a:srgbClr val="0033B3"/>
+                </a:solidFill>
+                <a:effectLst/>
+                <a:latin typeface="JetBrains Mono"/>
+              </a:rPr>
+              <a:t>let </a:t>
+            </a:r>
+            <a:r>
+              <a:rPr lang="en-US" dirty="0">
+                <a:solidFill>
+                  <a:srgbClr val="000000"/>
+                </a:solidFill>
+                <a:effectLst/>
+                <a:latin typeface="JetBrains Mono"/>
+              </a:rPr>
+              <a:t>score</a:t>
+            </a:r>
+            <a:r>
+              <a:rPr lang="en-US" dirty="0">
+                <a:solidFill>
+                  <a:srgbClr val="080808"/>
+                </a:solidFill>
+                <a:effectLst/>
+                <a:latin typeface="JetBrains Mono"/>
+              </a:rPr>
+              <a:t>: </a:t>
+            </a:r>
+            <a:r>
+              <a:rPr lang="en-US" dirty="0">
+                <a:solidFill>
+                  <a:srgbClr val="000000"/>
+                </a:solidFill>
+                <a:effectLst/>
+                <a:latin typeface="JetBrains Mono"/>
+              </a:rPr>
+              <a:t>Option</a:t>
+            </a:r>
+            <a:r>
+              <a:rPr lang="en-US" dirty="0">
+                <a:solidFill>
+                  <a:srgbClr val="080808"/>
+                </a:solidFill>
+                <a:effectLst/>
+                <a:latin typeface="JetBrains Mono"/>
+              </a:rPr>
+              <a:t>&lt;&amp;</a:t>
+            </a:r>
+            <a:r>
+              <a:rPr lang="en-US" dirty="0">
+                <a:solidFill>
+                  <a:srgbClr val="0033B3"/>
+                </a:solidFill>
+                <a:effectLst/>
+                <a:latin typeface="JetBrains Mono"/>
+              </a:rPr>
+              <a:t>i32</a:t>
+            </a:r>
+            <a:r>
+              <a:rPr lang="en-US" dirty="0">
+                <a:solidFill>
+                  <a:srgbClr val="080808"/>
+                </a:solidFill>
+                <a:effectLst/>
+                <a:latin typeface="JetBrains Mono"/>
+              </a:rPr>
+              <a:t>&gt; = </a:t>
+            </a:r>
+            <a:r>
+              <a:rPr lang="en-US" dirty="0" err="1">
+                <a:solidFill>
+                  <a:srgbClr val="000000"/>
+                </a:solidFill>
+                <a:effectLst/>
+                <a:latin typeface="JetBrains Mono"/>
+              </a:rPr>
+              <a:t>scores</a:t>
+            </a:r>
+            <a:r>
+              <a:rPr lang="en-US" dirty="0" err="1">
+                <a:solidFill>
+                  <a:srgbClr val="080808"/>
+                </a:solidFill>
+                <a:effectLst/>
+                <a:latin typeface="JetBrains Mono"/>
+              </a:rPr>
+              <a:t>.get</a:t>
+            </a:r>
+            <a:r>
+              <a:rPr lang="en-US" dirty="0">
+                <a:solidFill>
+                  <a:srgbClr val="080808"/>
+                </a:solidFill>
+                <a:effectLst/>
+                <a:latin typeface="JetBrains Mono"/>
+              </a:rPr>
+              <a:t>(</a:t>
+            </a:r>
+            <a:r>
+              <a:rPr lang="en-US" dirty="0">
+                <a:solidFill>
+                  <a:srgbClr val="067D17"/>
+                </a:solidFill>
+                <a:effectLst/>
+                <a:latin typeface="JetBrains Mono"/>
+              </a:rPr>
+              <a:t>"Yellow"</a:t>
+            </a:r>
+            <a:r>
+              <a:rPr lang="en-US" dirty="0">
+                <a:solidFill>
+                  <a:srgbClr val="080808"/>
+                </a:solidFill>
+                <a:effectLst/>
+                <a:latin typeface="JetBrains Mono"/>
+              </a:rPr>
+              <a:t>);</a:t>
+            </a:r>
+          </a:p>
+          <a:p>
+            <a:pPr marL="0" indent="0">
+              <a:buNone/>
+            </a:pPr>
             <a:endParaRPr lang="ru-RU" dirty="0"/>
           </a:p>
         </p:txBody>
@@ -9899,10 +10490,1223 @@
   <p:clrMapOvr>
     <a:masterClrMapping/>
   </p:clrMapOvr>
+  <p:timing>
+    <p:tnLst>
+      <p:par>
+        <p:cTn id="1" dur="indefinite" restart="never" nodeType="tmRoot">
+          <p:childTnLst>
+            <p:seq concurrent="1" nextAc="seek">
+              <p:cTn id="2" dur="indefinite" nodeType="mainSeq">
+                <p:childTnLst>
+                  <p:par>
+                    <p:cTn id="3" fill="hold">
+                      <p:stCondLst>
+                        <p:cond delay="indefinite"/>
+                      </p:stCondLst>
+                      <p:childTnLst>
+                        <p:par>
+                          <p:cTn id="4" fill="hold">
+                            <p:stCondLst>
+                              <p:cond delay="0"/>
+                            </p:stCondLst>
+                            <p:childTnLst>
+                              <p:par>
+                                <p:cTn id="5" presetID="1" presetClass="entr" presetSubtype="0" fill="hold" grpId="0" nodeType="clickEffect">
+                                  <p:stCondLst>
+                                    <p:cond delay="0"/>
+                                  </p:stCondLst>
+                                  <p:childTnLst>
+                                    <p:set>
+                                      <p:cBhvr>
+                                        <p:cTn id="6" dur="1" fill="hold">
+                                          <p:stCondLst>
+                                            <p:cond delay="0"/>
+                                          </p:stCondLst>
+                                        </p:cTn>
+                                        <p:tgtEl>
+                                          <p:spTgt spid="3">
+                                            <p:txEl>
+                                              <p:pRg st="0" end="0"/>
+                                            </p:txEl>
+                                          </p:spTgt>
+                                        </p:tgtEl>
+                                        <p:attrNameLst>
+                                          <p:attrName>style.visibility</p:attrName>
+                                        </p:attrNameLst>
+                                      </p:cBhvr>
+                                      <p:to>
+                                        <p:strVal val="visible"/>
+                                      </p:to>
+                                    </p:set>
+                                  </p:childTnLst>
+                                </p:cTn>
+                              </p:par>
+                            </p:childTnLst>
+                          </p:cTn>
+                        </p:par>
+                      </p:childTnLst>
+                    </p:cTn>
+                  </p:par>
+                  <p:par>
+                    <p:cTn id="7" fill="hold">
+                      <p:stCondLst>
+                        <p:cond delay="indefinite"/>
+                      </p:stCondLst>
+                      <p:childTnLst>
+                        <p:par>
+                          <p:cTn id="8" fill="hold">
+                            <p:stCondLst>
+                              <p:cond delay="0"/>
+                            </p:stCondLst>
+                            <p:childTnLst>
+                              <p:par>
+                                <p:cTn id="9" presetID="1" presetClass="entr" presetSubtype="0" fill="hold" grpId="0" nodeType="clickEffect">
+                                  <p:stCondLst>
+                                    <p:cond delay="0"/>
+                                  </p:stCondLst>
+                                  <p:childTnLst>
+                                    <p:set>
+                                      <p:cBhvr>
+                                        <p:cTn id="10" dur="1" fill="hold">
+                                          <p:stCondLst>
+                                            <p:cond delay="0"/>
+                                          </p:stCondLst>
+                                        </p:cTn>
+                                        <p:tgtEl>
+                                          <p:spTgt spid="3">
+                                            <p:txEl>
+                                              <p:pRg st="1" end="1"/>
+                                            </p:txEl>
+                                          </p:spTgt>
+                                        </p:tgtEl>
+                                        <p:attrNameLst>
+                                          <p:attrName>style.visibility</p:attrName>
+                                        </p:attrNameLst>
+                                      </p:cBhvr>
+                                      <p:to>
+                                        <p:strVal val="visible"/>
+                                      </p:to>
+                                    </p:set>
+                                  </p:childTnLst>
+                                </p:cTn>
+                              </p:par>
+                            </p:childTnLst>
+                          </p:cTn>
+                        </p:par>
+                      </p:childTnLst>
+                    </p:cTn>
+                  </p:par>
+                  <p:par>
+                    <p:cTn id="11" fill="hold">
+                      <p:stCondLst>
+                        <p:cond delay="indefinite"/>
+                      </p:stCondLst>
+                      <p:childTnLst>
+                        <p:par>
+                          <p:cTn id="12" fill="hold">
+                            <p:stCondLst>
+                              <p:cond delay="0"/>
+                            </p:stCondLst>
+                            <p:childTnLst>
+                              <p:par>
+                                <p:cTn id="13" presetID="1" presetClass="entr" presetSubtype="0" fill="hold" grpId="0" nodeType="clickEffect">
+                                  <p:stCondLst>
+                                    <p:cond delay="0"/>
+                                  </p:stCondLst>
+                                  <p:childTnLst>
+                                    <p:set>
+                                      <p:cBhvr>
+                                        <p:cTn id="14" dur="1" fill="hold">
+                                          <p:stCondLst>
+                                            <p:cond delay="0"/>
+                                          </p:stCondLst>
+                                        </p:cTn>
+                                        <p:tgtEl>
+                                          <p:spTgt spid="3">
+                                            <p:txEl>
+                                              <p:pRg st="2" end="2"/>
+                                            </p:txEl>
+                                          </p:spTgt>
+                                        </p:tgtEl>
+                                        <p:attrNameLst>
+                                          <p:attrName>style.visibility</p:attrName>
+                                        </p:attrNameLst>
+                                      </p:cBhvr>
+                                      <p:to>
+                                        <p:strVal val="visible"/>
+                                      </p:to>
+                                    </p:set>
+                                  </p:childTnLst>
+                                </p:cTn>
+                              </p:par>
+                            </p:childTnLst>
+                          </p:cTn>
+                        </p:par>
+                      </p:childTnLst>
+                    </p:cTn>
+                  </p:par>
+                  <p:par>
+                    <p:cTn id="15" fill="hold">
+                      <p:stCondLst>
+                        <p:cond delay="indefinite"/>
+                      </p:stCondLst>
+                      <p:childTnLst>
+                        <p:par>
+                          <p:cTn id="16" fill="hold">
+                            <p:stCondLst>
+                              <p:cond delay="0"/>
+                            </p:stCondLst>
+                            <p:childTnLst>
+                              <p:par>
+                                <p:cTn id="17" presetID="1" presetClass="entr" presetSubtype="0" fill="hold" grpId="0" nodeType="clickEffect">
+                                  <p:stCondLst>
+                                    <p:cond delay="0"/>
+                                  </p:stCondLst>
+                                  <p:childTnLst>
+                                    <p:set>
+                                      <p:cBhvr>
+                                        <p:cTn id="18" dur="1" fill="hold">
+                                          <p:stCondLst>
+                                            <p:cond delay="0"/>
+                                          </p:stCondLst>
+                                        </p:cTn>
+                                        <p:tgtEl>
+                                          <p:spTgt spid="3">
+                                            <p:txEl>
+                                              <p:pRg st="3" end="3"/>
+                                            </p:txEl>
+                                          </p:spTgt>
+                                        </p:tgtEl>
+                                        <p:attrNameLst>
+                                          <p:attrName>style.visibility</p:attrName>
+                                        </p:attrNameLst>
+                                      </p:cBhvr>
+                                      <p:to>
+                                        <p:strVal val="visible"/>
+                                      </p:to>
+                                    </p:set>
+                                  </p:childTnLst>
+                                </p:cTn>
+                              </p:par>
+                            </p:childTnLst>
+                          </p:cTn>
+                        </p:par>
+                      </p:childTnLst>
+                    </p:cTn>
+                  </p:par>
+                  <p:par>
+                    <p:cTn id="19" fill="hold">
+                      <p:stCondLst>
+                        <p:cond delay="indefinite"/>
+                      </p:stCondLst>
+                      <p:childTnLst>
+                        <p:par>
+                          <p:cTn id="20" fill="hold">
+                            <p:stCondLst>
+                              <p:cond delay="0"/>
+                            </p:stCondLst>
+                            <p:childTnLst>
+                              <p:par>
+                                <p:cTn id="21" presetID="1" presetClass="entr" presetSubtype="0" fill="hold" grpId="0" nodeType="clickEffect">
+                                  <p:stCondLst>
+                                    <p:cond delay="0"/>
+                                  </p:stCondLst>
+                                  <p:childTnLst>
+                                    <p:set>
+                                      <p:cBhvr>
+                                        <p:cTn id="22" dur="1" fill="hold">
+                                          <p:stCondLst>
+                                            <p:cond delay="0"/>
+                                          </p:stCondLst>
+                                        </p:cTn>
+                                        <p:tgtEl>
+                                          <p:spTgt spid="3">
+                                            <p:txEl>
+                                              <p:pRg st="4" end="4"/>
+                                            </p:txEl>
+                                          </p:spTgt>
+                                        </p:tgtEl>
+                                        <p:attrNameLst>
+                                          <p:attrName>style.visibility</p:attrName>
+                                        </p:attrNameLst>
+                                      </p:cBhvr>
+                                      <p:to>
+                                        <p:strVal val="visible"/>
+                                      </p:to>
+                                    </p:set>
+                                  </p:childTnLst>
+                                </p:cTn>
+                              </p:par>
+                            </p:childTnLst>
+                          </p:cTn>
+                        </p:par>
+                      </p:childTnLst>
+                    </p:cTn>
+                  </p:par>
+                  <p:par>
+                    <p:cTn id="23" fill="hold">
+                      <p:stCondLst>
+                        <p:cond delay="indefinite"/>
+                      </p:stCondLst>
+                      <p:childTnLst>
+                        <p:par>
+                          <p:cTn id="24" fill="hold">
+                            <p:stCondLst>
+                              <p:cond delay="0"/>
+                            </p:stCondLst>
+                            <p:childTnLst>
+                              <p:par>
+                                <p:cTn id="25" presetID="1" presetClass="entr" presetSubtype="0" fill="hold" grpId="0" nodeType="clickEffect">
+                                  <p:stCondLst>
+                                    <p:cond delay="0"/>
+                                  </p:stCondLst>
+                                  <p:childTnLst>
+                                    <p:set>
+                                      <p:cBhvr>
+                                        <p:cTn id="26" dur="1" fill="hold">
+                                          <p:stCondLst>
+                                            <p:cond delay="0"/>
+                                          </p:stCondLst>
+                                        </p:cTn>
+                                        <p:tgtEl>
+                                          <p:spTgt spid="3">
+                                            <p:txEl>
+                                              <p:pRg st="5" end="5"/>
+                                            </p:txEl>
+                                          </p:spTgt>
+                                        </p:tgtEl>
+                                        <p:attrNameLst>
+                                          <p:attrName>style.visibility</p:attrName>
+                                        </p:attrNameLst>
+                                      </p:cBhvr>
+                                      <p:to>
+                                        <p:strVal val="visible"/>
+                                      </p:to>
+                                    </p:set>
+                                  </p:childTnLst>
+                                </p:cTn>
+                              </p:par>
+                            </p:childTnLst>
+                          </p:cTn>
+                        </p:par>
+                      </p:childTnLst>
+                    </p:cTn>
+                  </p:par>
+                </p:childTnLst>
+              </p:cTn>
+              <p:prevCondLst>
+                <p:cond evt="onPrev" delay="0">
+                  <p:tgtEl>
+                    <p:sldTgt/>
+                  </p:tgtEl>
+                </p:cond>
+              </p:prevCondLst>
+              <p:nextCondLst>
+                <p:cond evt="onNext" delay="0">
+                  <p:tgtEl>
+                    <p:sldTgt/>
+                  </p:tgtEl>
+                </p:cond>
+              </p:nextCondLst>
+            </p:seq>
+          </p:childTnLst>
+        </p:cTn>
+      </p:par>
+    </p:tnLst>
+    <p:bldLst>
+      <p:bldP spid="3" grpId="0" build="p"/>
+    </p:bldLst>
+  </p:timing>
 </p:sld>
 </file>
 
 <file path=ppt/slides/slide18.xml><?xml version="1.0" encoding="utf-8"?>
+<p:sld xmlns:a="http://schemas.openxmlformats.org/drawingml/2006/main" xmlns:r="http://schemas.openxmlformats.org/officeDocument/2006/relationships" xmlns:p="http://schemas.openxmlformats.org/presentationml/2006/main">
+  <p:cSld>
+    <p:spTree>
+      <p:nvGrpSpPr>
+        <p:cNvPr id="1" name=""/>
+        <p:cNvGrpSpPr/>
+        <p:nvPr/>
+      </p:nvGrpSpPr>
+      <p:grpSpPr>
+        <a:xfrm>
+          <a:off x="0" y="0"/>
+          <a:ext cx="0" cy="0"/>
+          <a:chOff x="0" y="0"/>
+          <a:chExt cx="0" cy="0"/>
+        </a:xfrm>
+      </p:grpSpPr>
+      <p:sp>
+        <p:nvSpPr>
+          <p:cNvPr id="2" name="Title 1">
+            <a:extLst>
+              <a:ext uri="{FF2B5EF4-FFF2-40B4-BE49-F238E27FC236}">
+                <a16:creationId xmlns:a16="http://schemas.microsoft.com/office/drawing/2014/main" id="{BF7E810E-7448-6FC5-5E68-E6DD95A46143}"/>
+              </a:ext>
+            </a:extLst>
+          </p:cNvPr>
+          <p:cNvSpPr>
+            <a:spLocks noGrp="1"/>
+          </p:cNvSpPr>
+          <p:nvPr>
+            <p:ph type="title"/>
+          </p:nvPr>
+        </p:nvSpPr>
+        <p:spPr/>
+        <p:txBody>
+          <a:bodyPr/>
+          <a:lstStyle/>
+          <a:p>
+            <a:r>
+              <a:rPr lang="en-US" dirty="0"/>
+              <a:t>HashMap Entry API</a:t>
+            </a:r>
+            <a:endParaRPr lang="ru-RU" dirty="0"/>
+          </a:p>
+        </p:txBody>
+      </p:sp>
+      <p:sp>
+        <p:nvSpPr>
+          <p:cNvPr id="3" name="Content Placeholder 2">
+            <a:extLst>
+              <a:ext uri="{FF2B5EF4-FFF2-40B4-BE49-F238E27FC236}">
+                <a16:creationId xmlns:a16="http://schemas.microsoft.com/office/drawing/2014/main" id="{1F4A38A4-2F93-A872-9820-2C8CD68C0637}"/>
+              </a:ext>
+            </a:extLst>
+          </p:cNvPr>
+          <p:cNvSpPr>
+            <a:spLocks noGrp="1"/>
+          </p:cNvSpPr>
+          <p:nvPr>
+            <p:ph idx="1"/>
+          </p:nvPr>
+        </p:nvSpPr>
+        <p:spPr/>
+        <p:txBody>
+          <a:bodyPr>
+            <a:normAutofit/>
+          </a:bodyPr>
+          <a:lstStyle/>
+          <a:p>
+            <a:pPr marL="0" indent="0">
+              <a:buNone/>
+            </a:pPr>
+            <a:r>
+              <a:rPr lang="en-US" dirty="0" err="1">
+                <a:solidFill>
+                  <a:srgbClr val="000000"/>
+                </a:solidFill>
+                <a:latin typeface="JetBrains Mono"/>
+              </a:rPr>
+              <a:t>scores</a:t>
+            </a:r>
+            <a:r>
+              <a:rPr lang="en-US" dirty="0" err="1">
+                <a:solidFill>
+                  <a:srgbClr val="080808"/>
+                </a:solidFill>
+                <a:latin typeface="JetBrains Mono"/>
+              </a:rPr>
+              <a:t>.entry</a:t>
+            </a:r>
+            <a:r>
+              <a:rPr lang="en-US" dirty="0">
+                <a:solidFill>
+                  <a:srgbClr val="080808"/>
+                </a:solidFill>
+                <a:latin typeface="JetBrains Mono"/>
+              </a:rPr>
+              <a:t>(</a:t>
+            </a:r>
+            <a:r>
+              <a:rPr lang="en-US" dirty="0">
+                <a:solidFill>
+                  <a:srgbClr val="000000"/>
+                </a:solidFill>
+                <a:latin typeface="JetBrains Mono"/>
+              </a:rPr>
+              <a:t>String</a:t>
+            </a:r>
+            <a:r>
+              <a:rPr lang="en-US" dirty="0">
+                <a:solidFill>
+                  <a:srgbClr val="080808"/>
+                </a:solidFill>
+                <a:latin typeface="JetBrains Mono"/>
+              </a:rPr>
+              <a:t>::</a:t>
+            </a:r>
+            <a:r>
+              <a:rPr lang="en-US" i="1" dirty="0">
+                <a:solidFill>
+                  <a:srgbClr val="00627A"/>
+                </a:solidFill>
+                <a:latin typeface="JetBrains Mono"/>
+              </a:rPr>
+              <a:t>from</a:t>
+            </a:r>
+            <a:r>
+              <a:rPr lang="en-US" dirty="0">
+                <a:solidFill>
+                  <a:srgbClr val="080808"/>
+                </a:solidFill>
+                <a:latin typeface="JetBrains Mono"/>
+              </a:rPr>
+              <a:t>(</a:t>
+            </a:r>
+            <a:r>
+              <a:rPr lang="en-US" dirty="0">
+                <a:solidFill>
+                  <a:srgbClr val="067D17"/>
+                </a:solidFill>
+                <a:latin typeface="JetBrains Mono"/>
+              </a:rPr>
+              <a:t>"Yellow"</a:t>
+            </a:r>
+            <a:r>
+              <a:rPr lang="en-US" dirty="0">
+                <a:solidFill>
+                  <a:srgbClr val="080808"/>
+                </a:solidFill>
+                <a:latin typeface="JetBrains Mono"/>
+              </a:rPr>
+              <a:t>)).</a:t>
+            </a:r>
+            <a:r>
+              <a:rPr lang="en-US" dirty="0" err="1">
+                <a:solidFill>
+                  <a:srgbClr val="080808"/>
+                </a:solidFill>
+                <a:latin typeface="JetBrains Mono"/>
+              </a:rPr>
+              <a:t>or_insert</a:t>
+            </a:r>
+            <a:r>
+              <a:rPr lang="en-US" dirty="0">
+                <a:solidFill>
+                  <a:srgbClr val="080808"/>
+                </a:solidFill>
+                <a:latin typeface="JetBrains Mono"/>
+              </a:rPr>
+              <a:t>(</a:t>
+            </a:r>
+            <a:r>
+              <a:rPr lang="en-US">
+                <a:solidFill>
+                  <a:srgbClr val="1750EB"/>
+                </a:solidFill>
+                <a:latin typeface="JetBrains Mono"/>
+              </a:rPr>
+              <a:t>42</a:t>
+            </a:r>
+            <a:r>
+              <a:rPr lang="en-US">
+                <a:solidFill>
+                  <a:srgbClr val="080808"/>
+                </a:solidFill>
+                <a:latin typeface="JetBrains Mono"/>
+              </a:rPr>
+              <a:t>);</a:t>
+            </a:r>
+          </a:p>
+          <a:p>
+            <a:pPr marL="0" indent="0">
+              <a:buNone/>
+            </a:pPr>
+            <a:r>
+              <a:rPr lang="en-US" dirty="0">
+                <a:solidFill>
+                  <a:srgbClr val="0033B3"/>
+                </a:solidFill>
+                <a:latin typeface="JetBrains Mono"/>
+              </a:rPr>
+              <a:t>match </a:t>
+            </a:r>
+            <a:r>
+              <a:rPr lang="en-US" dirty="0" err="1">
+                <a:solidFill>
+                  <a:srgbClr val="000000"/>
+                </a:solidFill>
+                <a:latin typeface="JetBrains Mono"/>
+              </a:rPr>
+              <a:t>scores</a:t>
+            </a:r>
+            <a:r>
+              <a:rPr lang="en-US" dirty="0" err="1">
+                <a:solidFill>
+                  <a:srgbClr val="080808"/>
+                </a:solidFill>
+                <a:latin typeface="JetBrains Mono"/>
+              </a:rPr>
+              <a:t>.entry</a:t>
+            </a:r>
+            <a:r>
+              <a:rPr lang="en-US" dirty="0">
+                <a:solidFill>
+                  <a:srgbClr val="080808"/>
+                </a:solidFill>
+                <a:latin typeface="JetBrains Mono"/>
+              </a:rPr>
+              <a:t>(</a:t>
+            </a:r>
+            <a:r>
+              <a:rPr lang="en-US" dirty="0">
+                <a:solidFill>
+                  <a:srgbClr val="000000"/>
+                </a:solidFill>
+                <a:latin typeface="JetBrains Mono"/>
+              </a:rPr>
+              <a:t>String</a:t>
+            </a:r>
+            <a:r>
+              <a:rPr lang="en-US" dirty="0">
+                <a:solidFill>
+                  <a:srgbClr val="080808"/>
+                </a:solidFill>
+                <a:latin typeface="JetBrains Mono"/>
+              </a:rPr>
+              <a:t>::</a:t>
+            </a:r>
+            <a:r>
+              <a:rPr lang="en-US" i="1" dirty="0">
+                <a:solidFill>
+                  <a:srgbClr val="00627A"/>
+                </a:solidFill>
+                <a:latin typeface="JetBrains Mono"/>
+              </a:rPr>
+              <a:t>from</a:t>
+            </a:r>
+            <a:r>
+              <a:rPr lang="en-US" dirty="0">
+                <a:solidFill>
+                  <a:srgbClr val="080808"/>
+                </a:solidFill>
+                <a:latin typeface="JetBrains Mono"/>
+              </a:rPr>
+              <a:t>(</a:t>
+            </a:r>
+            <a:r>
+              <a:rPr lang="en-US" dirty="0">
+                <a:solidFill>
+                  <a:srgbClr val="067D17"/>
+                </a:solidFill>
+                <a:latin typeface="JetBrains Mono"/>
+              </a:rPr>
+              <a:t>"Yellow"</a:t>
+            </a:r>
+            <a:r>
+              <a:rPr lang="en-US" dirty="0">
+                <a:solidFill>
+                  <a:srgbClr val="080808"/>
+                </a:solidFill>
+                <a:latin typeface="JetBrains Mono"/>
+              </a:rPr>
+              <a:t>)) {</a:t>
+            </a:r>
+            <a:br>
+              <a:rPr lang="en-US" dirty="0">
+                <a:solidFill>
+                  <a:srgbClr val="080808"/>
+                </a:solidFill>
+                <a:latin typeface="JetBrains Mono"/>
+              </a:rPr>
+            </a:br>
+            <a:r>
+              <a:rPr lang="en-US" dirty="0">
+                <a:solidFill>
+                  <a:srgbClr val="080808"/>
+                </a:solidFill>
+                <a:latin typeface="JetBrains Mono"/>
+              </a:rPr>
+              <a:t>    </a:t>
+            </a:r>
+            <a:r>
+              <a:rPr lang="en-US" dirty="0">
+                <a:solidFill>
+                  <a:srgbClr val="000000"/>
+                </a:solidFill>
+                <a:latin typeface="JetBrains Mono"/>
+              </a:rPr>
+              <a:t>Entry</a:t>
+            </a:r>
+            <a:r>
+              <a:rPr lang="en-US" dirty="0">
+                <a:solidFill>
+                  <a:srgbClr val="080808"/>
+                </a:solidFill>
+                <a:latin typeface="JetBrains Mono"/>
+              </a:rPr>
+              <a:t>::</a:t>
+            </a:r>
+            <a:r>
+              <a:rPr lang="en-US" i="1" dirty="0">
+                <a:solidFill>
+                  <a:srgbClr val="871094"/>
+                </a:solidFill>
+                <a:latin typeface="JetBrains Mono"/>
+              </a:rPr>
+              <a:t>Occupied</a:t>
+            </a:r>
+            <a:r>
+              <a:rPr lang="en-US" dirty="0">
+                <a:solidFill>
+                  <a:srgbClr val="080808"/>
+                </a:solidFill>
+                <a:latin typeface="JetBrains Mono"/>
+              </a:rPr>
+              <a:t>(</a:t>
+            </a:r>
+            <a:r>
+              <a:rPr lang="en-US" dirty="0">
+                <a:solidFill>
+                  <a:srgbClr val="000000"/>
+                </a:solidFill>
+                <a:latin typeface="JetBrains Mono"/>
+              </a:rPr>
+              <a:t>x</a:t>
+            </a:r>
+            <a:r>
+              <a:rPr lang="en-US" dirty="0">
+                <a:solidFill>
+                  <a:srgbClr val="080808"/>
+                </a:solidFill>
+                <a:latin typeface="JetBrains Mono"/>
+              </a:rPr>
+              <a:t>) =&gt; {</a:t>
+            </a:r>
+            <a:br>
+              <a:rPr lang="en-US" dirty="0">
+                <a:solidFill>
+                  <a:srgbClr val="080808"/>
+                </a:solidFill>
+                <a:latin typeface="JetBrains Mono"/>
+              </a:rPr>
+            </a:br>
+            <a:r>
+              <a:rPr lang="en-US" dirty="0">
+                <a:solidFill>
+                  <a:srgbClr val="080808"/>
+                </a:solidFill>
+                <a:latin typeface="JetBrains Mono"/>
+              </a:rPr>
+              <a:t>        </a:t>
+            </a:r>
+            <a:r>
+              <a:rPr lang="en-US" dirty="0" err="1">
+                <a:solidFill>
+                  <a:srgbClr val="DD6718"/>
+                </a:solidFill>
+                <a:latin typeface="JetBrains Mono"/>
+              </a:rPr>
+              <a:t>println</a:t>
+            </a:r>
+            <a:r>
+              <a:rPr lang="en-US" dirty="0">
+                <a:solidFill>
+                  <a:srgbClr val="DD6718"/>
+                </a:solidFill>
+                <a:latin typeface="JetBrains Mono"/>
+              </a:rPr>
+              <a:t>!</a:t>
+            </a:r>
+            <a:r>
+              <a:rPr lang="en-US" dirty="0">
+                <a:solidFill>
+                  <a:srgbClr val="080808"/>
+                </a:solidFill>
+                <a:latin typeface="JetBrains Mono"/>
+              </a:rPr>
+              <a:t>(</a:t>
+            </a:r>
+            <a:r>
+              <a:rPr lang="en-US" dirty="0">
+                <a:solidFill>
+                  <a:srgbClr val="067D17"/>
+                </a:solidFill>
+                <a:latin typeface="JetBrains Mono"/>
+              </a:rPr>
+              <a:t>"</a:t>
+            </a:r>
+            <a:r>
+              <a:rPr lang="en-US" dirty="0">
+                <a:solidFill>
+                  <a:srgbClr val="0037A6"/>
+                </a:solidFill>
+                <a:latin typeface="JetBrains Mono"/>
+              </a:rPr>
+              <a:t>{} {}</a:t>
+            </a:r>
+            <a:r>
+              <a:rPr lang="en-US" dirty="0">
+                <a:solidFill>
+                  <a:srgbClr val="067D17"/>
+                </a:solidFill>
+                <a:latin typeface="JetBrains Mono"/>
+              </a:rPr>
+              <a:t>"</a:t>
+            </a:r>
+            <a:r>
+              <a:rPr lang="en-US" dirty="0">
+                <a:solidFill>
+                  <a:srgbClr val="080808"/>
+                </a:solidFill>
+                <a:latin typeface="JetBrains Mono"/>
+              </a:rPr>
+              <a:t>, </a:t>
+            </a:r>
+            <a:r>
+              <a:rPr lang="en-US" dirty="0" err="1">
+                <a:solidFill>
+                  <a:srgbClr val="000000"/>
+                </a:solidFill>
+                <a:latin typeface="JetBrains Mono"/>
+              </a:rPr>
+              <a:t>x</a:t>
+            </a:r>
+            <a:r>
+              <a:rPr lang="en-US" dirty="0" err="1">
+                <a:solidFill>
+                  <a:srgbClr val="080808"/>
+                </a:solidFill>
+                <a:latin typeface="JetBrains Mono"/>
+              </a:rPr>
+              <a:t>.key</a:t>
+            </a:r>
+            <a:r>
+              <a:rPr lang="en-US" dirty="0">
+                <a:solidFill>
+                  <a:srgbClr val="080808"/>
+                </a:solidFill>
+                <a:latin typeface="JetBrains Mono"/>
+              </a:rPr>
+              <a:t>(), </a:t>
+            </a:r>
+            <a:r>
+              <a:rPr lang="en-US" dirty="0" err="1">
+                <a:solidFill>
+                  <a:srgbClr val="000000"/>
+                </a:solidFill>
+                <a:latin typeface="JetBrains Mono"/>
+              </a:rPr>
+              <a:t>x</a:t>
+            </a:r>
+            <a:r>
+              <a:rPr lang="en-US" dirty="0" err="1">
+                <a:solidFill>
+                  <a:srgbClr val="080808"/>
+                </a:solidFill>
+                <a:latin typeface="JetBrains Mono"/>
+              </a:rPr>
+              <a:t>.get</a:t>
+            </a:r>
+            <a:r>
+              <a:rPr lang="en-US" dirty="0">
+                <a:solidFill>
+                  <a:srgbClr val="080808"/>
+                </a:solidFill>
+                <a:latin typeface="JetBrains Mono"/>
+              </a:rPr>
+              <a:t>()) </a:t>
+            </a:r>
+            <a:r>
+              <a:rPr lang="en-US" i="1" dirty="0">
+                <a:solidFill>
+                  <a:srgbClr val="8C8C8C"/>
+                </a:solidFill>
+                <a:latin typeface="JetBrains Mono"/>
+              </a:rPr>
+              <a:t>// Yellow 50</a:t>
+            </a:r>
+            <a:br>
+              <a:rPr lang="en-US" i="1" dirty="0">
+                <a:solidFill>
+                  <a:srgbClr val="8C8C8C"/>
+                </a:solidFill>
+                <a:latin typeface="JetBrains Mono"/>
+              </a:rPr>
+            </a:br>
+            <a:r>
+              <a:rPr lang="en-US" i="1" dirty="0">
+                <a:solidFill>
+                  <a:srgbClr val="8C8C8C"/>
+                </a:solidFill>
+                <a:latin typeface="JetBrains Mono"/>
+              </a:rPr>
+              <a:t>    </a:t>
+            </a:r>
+            <a:r>
+              <a:rPr lang="en-US" dirty="0">
+                <a:solidFill>
+                  <a:srgbClr val="080808"/>
+                </a:solidFill>
+                <a:latin typeface="JetBrains Mono"/>
+              </a:rPr>
+              <a:t>}</a:t>
+            </a:r>
+            <a:br>
+              <a:rPr lang="en-US" dirty="0">
+                <a:solidFill>
+                  <a:srgbClr val="080808"/>
+                </a:solidFill>
+                <a:latin typeface="JetBrains Mono"/>
+              </a:rPr>
+            </a:br>
+            <a:r>
+              <a:rPr lang="en-US" dirty="0">
+                <a:solidFill>
+                  <a:srgbClr val="080808"/>
+                </a:solidFill>
+                <a:latin typeface="JetBrains Mono"/>
+              </a:rPr>
+              <a:t>    </a:t>
+            </a:r>
+            <a:r>
+              <a:rPr lang="en-US" dirty="0">
+                <a:solidFill>
+                  <a:srgbClr val="000000"/>
+                </a:solidFill>
+                <a:latin typeface="JetBrains Mono"/>
+              </a:rPr>
+              <a:t>Entry</a:t>
+            </a:r>
+            <a:r>
+              <a:rPr lang="en-US" dirty="0">
+                <a:solidFill>
+                  <a:srgbClr val="080808"/>
+                </a:solidFill>
+                <a:latin typeface="JetBrains Mono"/>
+              </a:rPr>
+              <a:t>::</a:t>
+            </a:r>
+            <a:r>
+              <a:rPr lang="en-US" i="1" dirty="0">
+                <a:solidFill>
+                  <a:srgbClr val="871094"/>
+                </a:solidFill>
+                <a:latin typeface="JetBrains Mono"/>
+              </a:rPr>
+              <a:t>Vacant</a:t>
+            </a:r>
+            <a:r>
+              <a:rPr lang="en-US" dirty="0">
+                <a:solidFill>
+                  <a:srgbClr val="080808"/>
+                </a:solidFill>
+                <a:latin typeface="JetBrains Mono"/>
+              </a:rPr>
+              <a:t>(</a:t>
+            </a:r>
+            <a:r>
+              <a:rPr lang="en-US" dirty="0">
+                <a:solidFill>
+                  <a:srgbClr val="000000"/>
+                </a:solidFill>
+                <a:latin typeface="JetBrains Mono"/>
+              </a:rPr>
+              <a:t>x</a:t>
+            </a:r>
+            <a:r>
+              <a:rPr lang="en-US" dirty="0">
+                <a:solidFill>
+                  <a:srgbClr val="080808"/>
+                </a:solidFill>
+                <a:latin typeface="JetBrains Mono"/>
+              </a:rPr>
+              <a:t>) =&gt; {</a:t>
+            </a:r>
+            <a:br>
+              <a:rPr lang="en-US" dirty="0">
+                <a:solidFill>
+                  <a:srgbClr val="080808"/>
+                </a:solidFill>
+                <a:latin typeface="JetBrains Mono"/>
+              </a:rPr>
+            </a:br>
+            <a:r>
+              <a:rPr lang="en-US" dirty="0">
+                <a:solidFill>
+                  <a:srgbClr val="080808"/>
+                </a:solidFill>
+                <a:latin typeface="JetBrains Mono"/>
+              </a:rPr>
+              <a:t>        </a:t>
+            </a:r>
+            <a:r>
+              <a:rPr lang="en-US" dirty="0" err="1">
+                <a:solidFill>
+                  <a:srgbClr val="DD6718"/>
+                </a:solidFill>
+                <a:latin typeface="JetBrains Mono"/>
+              </a:rPr>
+              <a:t>println</a:t>
+            </a:r>
+            <a:r>
+              <a:rPr lang="en-US" dirty="0">
+                <a:solidFill>
+                  <a:srgbClr val="DD6718"/>
+                </a:solidFill>
+                <a:latin typeface="JetBrains Mono"/>
+              </a:rPr>
+              <a:t>!</a:t>
+            </a:r>
+            <a:r>
+              <a:rPr lang="en-US" dirty="0">
+                <a:solidFill>
+                  <a:srgbClr val="080808"/>
+                </a:solidFill>
+                <a:latin typeface="JetBrains Mono"/>
+              </a:rPr>
+              <a:t>(</a:t>
+            </a:r>
+            <a:r>
+              <a:rPr lang="en-US" dirty="0">
+                <a:solidFill>
+                  <a:srgbClr val="067D17"/>
+                </a:solidFill>
+                <a:latin typeface="JetBrains Mono"/>
+              </a:rPr>
+              <a:t>"</a:t>
+            </a:r>
+            <a:r>
+              <a:rPr lang="en-US" dirty="0">
+                <a:solidFill>
+                  <a:srgbClr val="0037A6"/>
+                </a:solidFill>
+                <a:latin typeface="JetBrains Mono"/>
+              </a:rPr>
+              <a:t>{}</a:t>
+            </a:r>
+            <a:r>
+              <a:rPr lang="en-US" dirty="0">
+                <a:solidFill>
+                  <a:srgbClr val="067D17"/>
+                </a:solidFill>
+                <a:latin typeface="JetBrains Mono"/>
+              </a:rPr>
+              <a:t>"</a:t>
+            </a:r>
+            <a:r>
+              <a:rPr lang="en-US" dirty="0">
+                <a:solidFill>
+                  <a:srgbClr val="080808"/>
+                </a:solidFill>
+                <a:latin typeface="JetBrains Mono"/>
+              </a:rPr>
+              <a:t>, </a:t>
+            </a:r>
+            <a:r>
+              <a:rPr lang="en-US" dirty="0" err="1">
+                <a:solidFill>
+                  <a:srgbClr val="000000"/>
+                </a:solidFill>
+                <a:latin typeface="JetBrains Mono"/>
+              </a:rPr>
+              <a:t>x</a:t>
+            </a:r>
+            <a:r>
+              <a:rPr lang="en-US" dirty="0" err="1">
+                <a:solidFill>
+                  <a:srgbClr val="080808"/>
+                </a:solidFill>
+                <a:latin typeface="JetBrains Mono"/>
+              </a:rPr>
+              <a:t>.key</a:t>
+            </a:r>
+            <a:r>
+              <a:rPr lang="en-US" dirty="0">
+                <a:solidFill>
+                  <a:srgbClr val="080808"/>
+                </a:solidFill>
+                <a:latin typeface="JetBrains Mono"/>
+              </a:rPr>
+              <a:t>())</a:t>
+            </a:r>
+            <a:br>
+              <a:rPr lang="en-US" dirty="0">
+                <a:solidFill>
+                  <a:srgbClr val="080808"/>
+                </a:solidFill>
+                <a:latin typeface="JetBrains Mono"/>
+              </a:rPr>
+            </a:br>
+            <a:r>
+              <a:rPr lang="en-US" dirty="0">
+                <a:solidFill>
+                  <a:srgbClr val="080808"/>
+                </a:solidFill>
+                <a:latin typeface="JetBrains Mono"/>
+              </a:rPr>
+              <a:t>    }</a:t>
+            </a:r>
+            <a:br>
+              <a:rPr lang="en-US" dirty="0">
+                <a:solidFill>
+                  <a:srgbClr val="080808"/>
+                </a:solidFill>
+                <a:latin typeface="JetBrains Mono"/>
+              </a:rPr>
+            </a:br>
+            <a:r>
+              <a:rPr lang="en-US" dirty="0">
+                <a:solidFill>
+                  <a:srgbClr val="080808"/>
+                </a:solidFill>
+                <a:latin typeface="JetBrains Mono"/>
+              </a:rPr>
+              <a:t>}</a:t>
+            </a:r>
+          </a:p>
+          <a:p>
+            <a:endParaRPr lang="ru-RU" dirty="0"/>
+          </a:p>
+        </p:txBody>
+      </p:sp>
+    </p:spTree>
+    <p:extLst>
+      <p:ext uri="{BB962C8B-B14F-4D97-AF65-F5344CB8AC3E}">
+        <p14:creationId xmlns:p14="http://schemas.microsoft.com/office/powerpoint/2010/main" val="2732873883"/>
+      </p:ext>
+    </p:extLst>
+  </p:cSld>
+  <p:clrMapOvr>
+    <a:masterClrMapping/>
+  </p:clrMapOvr>
+  <p:timing>
+    <p:tnLst>
+      <p:par>
+        <p:cTn id="1" dur="indefinite" restart="never" nodeType="tmRoot">
+          <p:childTnLst>
+            <p:seq concurrent="1" nextAc="seek">
+              <p:cTn id="2" dur="indefinite" nodeType="mainSeq">
+                <p:childTnLst>
+                  <p:par>
+                    <p:cTn id="3" fill="hold">
+                      <p:stCondLst>
+                        <p:cond delay="indefinite"/>
+                      </p:stCondLst>
+                      <p:childTnLst>
+                        <p:par>
+                          <p:cTn id="4" fill="hold">
+                            <p:stCondLst>
+                              <p:cond delay="0"/>
+                            </p:stCondLst>
+                            <p:childTnLst>
+                              <p:par>
+                                <p:cTn id="5" presetID="1" presetClass="entr" presetSubtype="0" fill="hold" grpId="0" nodeType="clickEffect">
+                                  <p:stCondLst>
+                                    <p:cond delay="0"/>
+                                  </p:stCondLst>
+                                  <p:childTnLst>
+                                    <p:set>
+                                      <p:cBhvr>
+                                        <p:cTn id="6" dur="1" fill="hold">
+                                          <p:stCondLst>
+                                            <p:cond delay="0"/>
+                                          </p:stCondLst>
+                                        </p:cTn>
+                                        <p:tgtEl>
+                                          <p:spTgt spid="3">
+                                            <p:txEl>
+                                              <p:pRg st="0" end="0"/>
+                                            </p:txEl>
+                                          </p:spTgt>
+                                        </p:tgtEl>
+                                        <p:attrNameLst>
+                                          <p:attrName>style.visibility</p:attrName>
+                                        </p:attrNameLst>
+                                      </p:cBhvr>
+                                      <p:to>
+                                        <p:strVal val="visible"/>
+                                      </p:to>
+                                    </p:set>
+                                  </p:childTnLst>
+                                </p:cTn>
+                              </p:par>
+                            </p:childTnLst>
+                          </p:cTn>
+                        </p:par>
+                      </p:childTnLst>
+                    </p:cTn>
+                  </p:par>
+                  <p:par>
+                    <p:cTn id="7" fill="hold">
+                      <p:stCondLst>
+                        <p:cond delay="indefinite"/>
+                      </p:stCondLst>
+                      <p:childTnLst>
+                        <p:par>
+                          <p:cTn id="8" fill="hold">
+                            <p:stCondLst>
+                              <p:cond delay="0"/>
+                            </p:stCondLst>
+                            <p:childTnLst>
+                              <p:par>
+                                <p:cTn id="9" presetID="1" presetClass="entr" presetSubtype="0" fill="hold" grpId="0" nodeType="clickEffect">
+                                  <p:stCondLst>
+                                    <p:cond delay="0"/>
+                                  </p:stCondLst>
+                                  <p:childTnLst>
+                                    <p:set>
+                                      <p:cBhvr>
+                                        <p:cTn id="10" dur="1" fill="hold">
+                                          <p:stCondLst>
+                                            <p:cond delay="0"/>
+                                          </p:stCondLst>
+                                        </p:cTn>
+                                        <p:tgtEl>
+                                          <p:spTgt spid="3">
+                                            <p:txEl>
+                                              <p:pRg st="1" end="1"/>
+                                            </p:txEl>
+                                          </p:spTgt>
+                                        </p:tgtEl>
+                                        <p:attrNameLst>
+                                          <p:attrName>style.visibility</p:attrName>
+                                        </p:attrNameLst>
+                                      </p:cBhvr>
+                                      <p:to>
+                                        <p:strVal val="visible"/>
+                                      </p:to>
+                                    </p:set>
+                                  </p:childTnLst>
+                                </p:cTn>
+                              </p:par>
+                            </p:childTnLst>
+                          </p:cTn>
+                        </p:par>
+                      </p:childTnLst>
+                    </p:cTn>
+                  </p:par>
+                </p:childTnLst>
+              </p:cTn>
+              <p:prevCondLst>
+                <p:cond evt="onPrev" delay="0">
+                  <p:tgtEl>
+                    <p:sldTgt/>
+                  </p:tgtEl>
+                </p:cond>
+              </p:prevCondLst>
+              <p:nextCondLst>
+                <p:cond evt="onNext" delay="0">
+                  <p:tgtEl>
+                    <p:sldTgt/>
+                  </p:tgtEl>
+                </p:cond>
+              </p:nextCondLst>
+            </p:seq>
+          </p:childTnLst>
+        </p:cTn>
+      </p:par>
+    </p:tnLst>
+    <p:bldLst>
+      <p:bldP spid="3" grpId="0" build="p"/>
+    </p:bldLst>
+  </p:timing>
+</p:sld>
+</file>
+
+<file path=ppt/slides/slide19.xml><?xml version="1.0" encoding="utf-8"?>
 <p:sld xmlns:a="http://schemas.openxmlformats.org/drawingml/2006/main" xmlns:r="http://schemas.openxmlformats.org/officeDocument/2006/relationships" xmlns:p="http://schemas.openxmlformats.org/presentationml/2006/main">
   <p:cSld>
     <p:spTree>
@@ -11405,351 +13209,6 @@
 </p:sld>
 </file>
 
-<file path=ppt/slides/slide19.xml><?xml version="1.0" encoding="utf-8"?>
-<p:sld xmlns:a="http://schemas.openxmlformats.org/drawingml/2006/main" xmlns:r="http://schemas.openxmlformats.org/officeDocument/2006/relationships" xmlns:p="http://schemas.openxmlformats.org/presentationml/2006/main">
-  <p:cSld>
-    <p:spTree>
-      <p:nvGrpSpPr>
-        <p:cNvPr id="1" name=""/>
-        <p:cNvGrpSpPr/>
-        <p:nvPr/>
-      </p:nvGrpSpPr>
-      <p:grpSpPr>
-        <a:xfrm>
-          <a:off x="0" y="0"/>
-          <a:ext cx="0" cy="0"/>
-          <a:chOff x="0" y="0"/>
-          <a:chExt cx="0" cy="0"/>
-        </a:xfrm>
-      </p:grpSpPr>
-      <p:sp>
-        <p:nvSpPr>
-          <p:cNvPr id="5" name="Title 4">
-            <a:extLst>
-              <a:ext uri="{FF2B5EF4-FFF2-40B4-BE49-F238E27FC236}">
-                <a16:creationId xmlns:a16="http://schemas.microsoft.com/office/drawing/2014/main" id="{D5683B78-04F0-136B-2FC5-7DCC49794A12}"/>
-              </a:ext>
-            </a:extLst>
-          </p:cNvPr>
-          <p:cNvSpPr>
-            <a:spLocks noGrp="1"/>
-          </p:cNvSpPr>
-          <p:nvPr>
-            <p:ph type="title"/>
-          </p:nvPr>
-        </p:nvSpPr>
-        <p:spPr/>
-        <p:txBody>
-          <a:bodyPr/>
-          <a:lstStyle/>
-          <a:p>
-            <a:r>
-              <a:rPr lang="en-US" dirty="0"/>
-              <a:t>Iterator</a:t>
-            </a:r>
-            <a:endParaRPr lang="ru-RU" dirty="0"/>
-          </a:p>
-        </p:txBody>
-      </p:sp>
-      <p:sp>
-        <p:nvSpPr>
-          <p:cNvPr id="6" name="Content Placeholder 5">
-            <a:extLst>
-              <a:ext uri="{FF2B5EF4-FFF2-40B4-BE49-F238E27FC236}">
-                <a16:creationId xmlns:a16="http://schemas.microsoft.com/office/drawing/2014/main" id="{948A1C5D-B218-3029-0A05-010C08EA43E4}"/>
-              </a:ext>
-            </a:extLst>
-          </p:cNvPr>
-          <p:cNvSpPr>
-            <a:spLocks noGrp="1"/>
-          </p:cNvSpPr>
-          <p:nvPr>
-            <p:ph idx="1"/>
-          </p:nvPr>
-        </p:nvSpPr>
-        <p:spPr/>
-        <p:txBody>
-          <a:bodyPr>
-            <a:normAutofit/>
-          </a:bodyPr>
-          <a:lstStyle/>
-          <a:p>
-            <a:pPr marL="0" indent="0">
-              <a:buNone/>
-            </a:pPr>
-            <a:r>
-              <a:rPr lang="en-US" dirty="0">
-                <a:solidFill>
-                  <a:srgbClr val="0033B3"/>
-                </a:solidFill>
-                <a:effectLst/>
-                <a:latin typeface="JetBrains Mono"/>
-              </a:rPr>
-              <a:t>trait </a:t>
-            </a:r>
-            <a:r>
-              <a:rPr lang="en-US" dirty="0">
-                <a:solidFill>
-                  <a:srgbClr val="000000"/>
-                </a:solidFill>
-                <a:effectLst/>
-                <a:latin typeface="JetBrains Mono"/>
-              </a:rPr>
-              <a:t>Iterator </a:t>
-            </a:r>
-            <a:r>
-              <a:rPr lang="en-US" dirty="0">
-                <a:solidFill>
-                  <a:srgbClr val="080808"/>
-                </a:solidFill>
-                <a:effectLst/>
-                <a:latin typeface="JetBrains Mono"/>
-              </a:rPr>
-              <a:t>{</a:t>
-            </a:r>
-            <a:br>
-              <a:rPr lang="en-US" dirty="0">
-                <a:solidFill>
-                  <a:srgbClr val="080808"/>
-                </a:solidFill>
-                <a:effectLst/>
-                <a:latin typeface="JetBrains Mono"/>
-              </a:rPr>
-            </a:br>
-            <a:r>
-              <a:rPr lang="en-US" dirty="0">
-                <a:solidFill>
-                  <a:srgbClr val="080808"/>
-                </a:solidFill>
-                <a:effectLst/>
-                <a:latin typeface="JetBrains Mono"/>
-              </a:rPr>
-              <a:t>    </a:t>
-            </a:r>
-            <a:r>
-              <a:rPr lang="en-US" dirty="0">
-                <a:solidFill>
-                  <a:srgbClr val="0033B3"/>
-                </a:solidFill>
-                <a:effectLst/>
-                <a:latin typeface="JetBrains Mono"/>
-              </a:rPr>
-              <a:t>type </a:t>
-            </a:r>
-            <a:r>
-              <a:rPr lang="en-US" dirty="0">
-                <a:solidFill>
-                  <a:srgbClr val="000000"/>
-                </a:solidFill>
-                <a:effectLst/>
-                <a:latin typeface="JetBrains Mono"/>
-              </a:rPr>
-              <a:t>Item</a:t>
-            </a:r>
-            <a:r>
-              <a:rPr lang="en-US" dirty="0">
-                <a:solidFill>
-                  <a:srgbClr val="080808"/>
-                </a:solidFill>
-                <a:effectLst/>
-                <a:latin typeface="JetBrains Mono"/>
-              </a:rPr>
-              <a:t>;</a:t>
-            </a:r>
-            <a:br>
-              <a:rPr lang="en-US" dirty="0">
-                <a:solidFill>
-                  <a:srgbClr val="080808"/>
-                </a:solidFill>
-                <a:effectLst/>
-                <a:latin typeface="JetBrains Mono"/>
-              </a:rPr>
-            </a:br>
-            <a:br>
-              <a:rPr lang="en-US" dirty="0">
-                <a:solidFill>
-                  <a:srgbClr val="080808"/>
-                </a:solidFill>
-                <a:effectLst/>
-                <a:latin typeface="JetBrains Mono"/>
-              </a:rPr>
-            </a:br>
-            <a:r>
-              <a:rPr lang="en-US" dirty="0">
-                <a:solidFill>
-                  <a:srgbClr val="080808"/>
-                </a:solidFill>
-                <a:effectLst/>
-                <a:latin typeface="JetBrains Mono"/>
-              </a:rPr>
-              <a:t>    </a:t>
-            </a:r>
-            <a:r>
-              <a:rPr lang="en-US" dirty="0" err="1">
-                <a:solidFill>
-                  <a:srgbClr val="0033B3"/>
-                </a:solidFill>
-                <a:effectLst/>
-                <a:latin typeface="JetBrains Mono"/>
-              </a:rPr>
-              <a:t>fn</a:t>
-            </a:r>
-            <a:r>
-              <a:rPr lang="en-US" dirty="0">
-                <a:solidFill>
-                  <a:srgbClr val="0033B3"/>
-                </a:solidFill>
-                <a:effectLst/>
-                <a:latin typeface="JetBrains Mono"/>
-              </a:rPr>
-              <a:t> </a:t>
-            </a:r>
-            <a:r>
-              <a:rPr lang="en-US" dirty="0">
-                <a:solidFill>
-                  <a:srgbClr val="00627A"/>
-                </a:solidFill>
-                <a:effectLst/>
-                <a:latin typeface="JetBrains Mono"/>
-              </a:rPr>
-              <a:t>next</a:t>
-            </a:r>
-            <a:r>
-              <a:rPr lang="en-US" dirty="0">
-                <a:solidFill>
-                  <a:srgbClr val="080808"/>
-                </a:solidFill>
-                <a:effectLst/>
-                <a:latin typeface="JetBrains Mono"/>
-              </a:rPr>
-              <a:t>(&amp;</a:t>
-            </a:r>
-            <a:r>
-              <a:rPr lang="en-US" dirty="0">
-                <a:solidFill>
-                  <a:srgbClr val="0033B3"/>
-                </a:solidFill>
-                <a:effectLst/>
-                <a:latin typeface="JetBrains Mono"/>
-              </a:rPr>
-              <a:t>mut self</a:t>
-            </a:r>
-            <a:r>
-              <a:rPr lang="en-US" dirty="0">
-                <a:solidFill>
-                  <a:srgbClr val="080808"/>
-                </a:solidFill>
-                <a:effectLst/>
-                <a:latin typeface="JetBrains Mono"/>
-              </a:rPr>
-              <a:t>) -&gt; </a:t>
-            </a:r>
-            <a:r>
-              <a:rPr lang="en-US" dirty="0">
-                <a:solidFill>
-                  <a:srgbClr val="000000"/>
-                </a:solidFill>
-                <a:effectLst/>
-                <a:latin typeface="JetBrains Mono"/>
-              </a:rPr>
-              <a:t>Option</a:t>
-            </a:r>
-            <a:r>
-              <a:rPr lang="en-US" dirty="0">
-                <a:solidFill>
-                  <a:srgbClr val="080808"/>
-                </a:solidFill>
-                <a:effectLst/>
-                <a:latin typeface="JetBrains Mono"/>
-              </a:rPr>
-              <a:t>&lt;</a:t>
-            </a:r>
-            <a:r>
-              <a:rPr lang="en-US" dirty="0">
-                <a:solidFill>
-                  <a:srgbClr val="0033B3"/>
-                </a:solidFill>
-                <a:effectLst/>
-                <a:latin typeface="JetBrains Mono"/>
-              </a:rPr>
-              <a:t>Self</a:t>
-            </a:r>
-            <a:r>
-              <a:rPr lang="en-US" dirty="0">
-                <a:solidFill>
-                  <a:srgbClr val="080808"/>
-                </a:solidFill>
-                <a:effectLst/>
-                <a:latin typeface="JetBrains Mono"/>
-              </a:rPr>
-              <a:t>::</a:t>
-            </a:r>
-            <a:r>
-              <a:rPr lang="en-US" dirty="0">
-                <a:solidFill>
-                  <a:srgbClr val="000000"/>
-                </a:solidFill>
-                <a:effectLst/>
-                <a:latin typeface="JetBrains Mono"/>
-              </a:rPr>
-              <a:t>Item</a:t>
-            </a:r>
-            <a:r>
-              <a:rPr lang="en-US" dirty="0">
-                <a:solidFill>
-                  <a:srgbClr val="080808"/>
-                </a:solidFill>
-                <a:effectLst/>
-                <a:latin typeface="JetBrains Mono"/>
-              </a:rPr>
-              <a:t>&gt;;</a:t>
-            </a:r>
-            <a:br>
-              <a:rPr lang="en-US" dirty="0">
-                <a:solidFill>
-                  <a:srgbClr val="080808"/>
-                </a:solidFill>
-                <a:effectLst/>
-                <a:latin typeface="JetBrains Mono"/>
-              </a:rPr>
-            </a:br>
-            <a:r>
-              <a:rPr lang="en-US" dirty="0">
-                <a:solidFill>
-                  <a:srgbClr val="080808"/>
-                </a:solidFill>
-                <a:effectLst/>
-                <a:latin typeface="JetBrains Mono"/>
-              </a:rPr>
-              <a:t>}</a:t>
-            </a:r>
-          </a:p>
-          <a:p>
-            <a:pPr marL="0" indent="0">
-              <a:buNone/>
-            </a:pPr>
-            <a:endParaRPr lang="en-US" dirty="0">
-              <a:solidFill>
-                <a:srgbClr val="000000"/>
-              </a:solidFill>
-              <a:latin typeface="JetBrains Mono"/>
-            </a:endParaRPr>
-          </a:p>
-        </p:txBody>
-      </p:sp>
-    </p:spTree>
-    <p:extLst>
-      <p:ext uri="{BB962C8B-B14F-4D97-AF65-F5344CB8AC3E}">
-        <p14:creationId xmlns:p14="http://schemas.microsoft.com/office/powerpoint/2010/main" val="1464176573"/>
-      </p:ext>
-    </p:extLst>
-  </p:cSld>
-  <p:clrMapOvr>
-    <a:masterClrMapping/>
-  </p:clrMapOvr>
-</p:sld>
-</file>
-
 <file path=ppt/slides/slide2.xml><?xml version="1.0" encoding="utf-8"?>
 <p:sld xmlns:a="http://schemas.openxmlformats.org/drawingml/2006/main" xmlns:r="http://schemas.openxmlformats.org/officeDocument/2006/relationships" xmlns:p="http://schemas.openxmlformats.org/presentationml/2006/main">
   <p:cSld>
@@ -12508,6 +13967,351 @@
 </file>
 
 <file path=ppt/slides/slide20.xml><?xml version="1.0" encoding="utf-8"?>
+<p:sld xmlns:a="http://schemas.openxmlformats.org/drawingml/2006/main" xmlns:r="http://schemas.openxmlformats.org/officeDocument/2006/relationships" xmlns:p="http://schemas.openxmlformats.org/presentationml/2006/main">
+  <p:cSld>
+    <p:spTree>
+      <p:nvGrpSpPr>
+        <p:cNvPr id="1" name=""/>
+        <p:cNvGrpSpPr/>
+        <p:nvPr/>
+      </p:nvGrpSpPr>
+      <p:grpSpPr>
+        <a:xfrm>
+          <a:off x="0" y="0"/>
+          <a:ext cx="0" cy="0"/>
+          <a:chOff x="0" y="0"/>
+          <a:chExt cx="0" cy="0"/>
+        </a:xfrm>
+      </p:grpSpPr>
+      <p:sp>
+        <p:nvSpPr>
+          <p:cNvPr id="5" name="Title 4">
+            <a:extLst>
+              <a:ext uri="{FF2B5EF4-FFF2-40B4-BE49-F238E27FC236}">
+                <a16:creationId xmlns:a16="http://schemas.microsoft.com/office/drawing/2014/main" id="{D5683B78-04F0-136B-2FC5-7DCC49794A12}"/>
+              </a:ext>
+            </a:extLst>
+          </p:cNvPr>
+          <p:cNvSpPr>
+            <a:spLocks noGrp="1"/>
+          </p:cNvSpPr>
+          <p:nvPr>
+            <p:ph type="title"/>
+          </p:nvPr>
+        </p:nvSpPr>
+        <p:spPr/>
+        <p:txBody>
+          <a:bodyPr/>
+          <a:lstStyle/>
+          <a:p>
+            <a:r>
+              <a:rPr lang="en-US" dirty="0"/>
+              <a:t>Iterator</a:t>
+            </a:r>
+            <a:endParaRPr lang="ru-RU" dirty="0"/>
+          </a:p>
+        </p:txBody>
+      </p:sp>
+      <p:sp>
+        <p:nvSpPr>
+          <p:cNvPr id="6" name="Content Placeholder 5">
+            <a:extLst>
+              <a:ext uri="{FF2B5EF4-FFF2-40B4-BE49-F238E27FC236}">
+                <a16:creationId xmlns:a16="http://schemas.microsoft.com/office/drawing/2014/main" id="{948A1C5D-B218-3029-0A05-010C08EA43E4}"/>
+              </a:ext>
+            </a:extLst>
+          </p:cNvPr>
+          <p:cNvSpPr>
+            <a:spLocks noGrp="1"/>
+          </p:cNvSpPr>
+          <p:nvPr>
+            <p:ph idx="1"/>
+          </p:nvPr>
+        </p:nvSpPr>
+        <p:spPr/>
+        <p:txBody>
+          <a:bodyPr>
+            <a:normAutofit/>
+          </a:bodyPr>
+          <a:lstStyle/>
+          <a:p>
+            <a:pPr marL="0" indent="0">
+              <a:buNone/>
+            </a:pPr>
+            <a:r>
+              <a:rPr lang="en-US" dirty="0">
+                <a:solidFill>
+                  <a:srgbClr val="0033B3"/>
+                </a:solidFill>
+                <a:effectLst/>
+                <a:latin typeface="JetBrains Mono"/>
+              </a:rPr>
+              <a:t>trait </a:t>
+            </a:r>
+            <a:r>
+              <a:rPr lang="en-US" dirty="0">
+                <a:solidFill>
+                  <a:srgbClr val="000000"/>
+                </a:solidFill>
+                <a:effectLst/>
+                <a:latin typeface="JetBrains Mono"/>
+              </a:rPr>
+              <a:t>Iterator </a:t>
+            </a:r>
+            <a:r>
+              <a:rPr lang="en-US" dirty="0">
+                <a:solidFill>
+                  <a:srgbClr val="080808"/>
+                </a:solidFill>
+                <a:effectLst/>
+                <a:latin typeface="JetBrains Mono"/>
+              </a:rPr>
+              <a:t>{</a:t>
+            </a:r>
+            <a:br>
+              <a:rPr lang="en-US" dirty="0">
+                <a:solidFill>
+                  <a:srgbClr val="080808"/>
+                </a:solidFill>
+                <a:effectLst/>
+                <a:latin typeface="JetBrains Mono"/>
+              </a:rPr>
+            </a:br>
+            <a:r>
+              <a:rPr lang="en-US" dirty="0">
+                <a:solidFill>
+                  <a:srgbClr val="080808"/>
+                </a:solidFill>
+                <a:effectLst/>
+                <a:latin typeface="JetBrains Mono"/>
+              </a:rPr>
+              <a:t>    </a:t>
+            </a:r>
+            <a:r>
+              <a:rPr lang="en-US" dirty="0">
+                <a:solidFill>
+                  <a:srgbClr val="0033B3"/>
+                </a:solidFill>
+                <a:effectLst/>
+                <a:latin typeface="JetBrains Mono"/>
+              </a:rPr>
+              <a:t>type </a:t>
+            </a:r>
+            <a:r>
+              <a:rPr lang="en-US" dirty="0">
+                <a:solidFill>
+                  <a:srgbClr val="000000"/>
+                </a:solidFill>
+                <a:effectLst/>
+                <a:latin typeface="JetBrains Mono"/>
+              </a:rPr>
+              <a:t>Item</a:t>
+            </a:r>
+            <a:r>
+              <a:rPr lang="en-US" dirty="0">
+                <a:solidFill>
+                  <a:srgbClr val="080808"/>
+                </a:solidFill>
+                <a:effectLst/>
+                <a:latin typeface="JetBrains Mono"/>
+              </a:rPr>
+              <a:t>;</a:t>
+            </a:r>
+            <a:br>
+              <a:rPr lang="en-US" dirty="0">
+                <a:solidFill>
+                  <a:srgbClr val="080808"/>
+                </a:solidFill>
+                <a:effectLst/>
+                <a:latin typeface="JetBrains Mono"/>
+              </a:rPr>
+            </a:br>
+            <a:br>
+              <a:rPr lang="en-US" dirty="0">
+                <a:solidFill>
+                  <a:srgbClr val="080808"/>
+                </a:solidFill>
+                <a:effectLst/>
+                <a:latin typeface="JetBrains Mono"/>
+              </a:rPr>
+            </a:br>
+            <a:r>
+              <a:rPr lang="en-US" dirty="0">
+                <a:solidFill>
+                  <a:srgbClr val="080808"/>
+                </a:solidFill>
+                <a:effectLst/>
+                <a:latin typeface="JetBrains Mono"/>
+              </a:rPr>
+              <a:t>    </a:t>
+            </a:r>
+            <a:r>
+              <a:rPr lang="en-US" dirty="0" err="1">
+                <a:solidFill>
+                  <a:srgbClr val="0033B3"/>
+                </a:solidFill>
+                <a:effectLst/>
+                <a:latin typeface="JetBrains Mono"/>
+              </a:rPr>
+              <a:t>fn</a:t>
+            </a:r>
+            <a:r>
+              <a:rPr lang="en-US" dirty="0">
+                <a:solidFill>
+                  <a:srgbClr val="0033B3"/>
+                </a:solidFill>
+                <a:effectLst/>
+                <a:latin typeface="JetBrains Mono"/>
+              </a:rPr>
+              <a:t> </a:t>
+            </a:r>
+            <a:r>
+              <a:rPr lang="en-US" dirty="0">
+                <a:solidFill>
+                  <a:srgbClr val="00627A"/>
+                </a:solidFill>
+                <a:effectLst/>
+                <a:latin typeface="JetBrains Mono"/>
+              </a:rPr>
+              <a:t>next</a:t>
+            </a:r>
+            <a:r>
+              <a:rPr lang="en-US" dirty="0">
+                <a:solidFill>
+                  <a:srgbClr val="080808"/>
+                </a:solidFill>
+                <a:effectLst/>
+                <a:latin typeface="JetBrains Mono"/>
+              </a:rPr>
+              <a:t>(&amp;</a:t>
+            </a:r>
+            <a:r>
+              <a:rPr lang="en-US" dirty="0">
+                <a:solidFill>
+                  <a:srgbClr val="0033B3"/>
+                </a:solidFill>
+                <a:effectLst/>
+                <a:latin typeface="JetBrains Mono"/>
+              </a:rPr>
+              <a:t>mut self</a:t>
+            </a:r>
+            <a:r>
+              <a:rPr lang="en-US" dirty="0">
+                <a:solidFill>
+                  <a:srgbClr val="080808"/>
+                </a:solidFill>
+                <a:effectLst/>
+                <a:latin typeface="JetBrains Mono"/>
+              </a:rPr>
+              <a:t>) -&gt; </a:t>
+            </a:r>
+            <a:r>
+              <a:rPr lang="en-US" dirty="0">
+                <a:solidFill>
+                  <a:srgbClr val="000000"/>
+                </a:solidFill>
+                <a:effectLst/>
+                <a:latin typeface="JetBrains Mono"/>
+              </a:rPr>
+              <a:t>Option</a:t>
+            </a:r>
+            <a:r>
+              <a:rPr lang="en-US" dirty="0">
+                <a:solidFill>
+                  <a:srgbClr val="080808"/>
+                </a:solidFill>
+                <a:effectLst/>
+                <a:latin typeface="JetBrains Mono"/>
+              </a:rPr>
+              <a:t>&lt;</a:t>
+            </a:r>
+            <a:r>
+              <a:rPr lang="en-US" dirty="0">
+                <a:solidFill>
+                  <a:srgbClr val="0033B3"/>
+                </a:solidFill>
+                <a:effectLst/>
+                <a:latin typeface="JetBrains Mono"/>
+              </a:rPr>
+              <a:t>Self</a:t>
+            </a:r>
+            <a:r>
+              <a:rPr lang="en-US" dirty="0">
+                <a:solidFill>
+                  <a:srgbClr val="080808"/>
+                </a:solidFill>
+                <a:effectLst/>
+                <a:latin typeface="JetBrains Mono"/>
+              </a:rPr>
+              <a:t>::</a:t>
+            </a:r>
+            <a:r>
+              <a:rPr lang="en-US" dirty="0">
+                <a:solidFill>
+                  <a:srgbClr val="000000"/>
+                </a:solidFill>
+                <a:effectLst/>
+                <a:latin typeface="JetBrains Mono"/>
+              </a:rPr>
+              <a:t>Item</a:t>
+            </a:r>
+            <a:r>
+              <a:rPr lang="en-US" dirty="0">
+                <a:solidFill>
+                  <a:srgbClr val="080808"/>
+                </a:solidFill>
+                <a:effectLst/>
+                <a:latin typeface="JetBrains Mono"/>
+              </a:rPr>
+              <a:t>&gt;;</a:t>
+            </a:r>
+            <a:br>
+              <a:rPr lang="en-US" dirty="0">
+                <a:solidFill>
+                  <a:srgbClr val="080808"/>
+                </a:solidFill>
+                <a:effectLst/>
+                <a:latin typeface="JetBrains Mono"/>
+              </a:rPr>
+            </a:br>
+            <a:r>
+              <a:rPr lang="en-US" dirty="0">
+                <a:solidFill>
+                  <a:srgbClr val="080808"/>
+                </a:solidFill>
+                <a:effectLst/>
+                <a:latin typeface="JetBrains Mono"/>
+              </a:rPr>
+              <a:t>}</a:t>
+            </a:r>
+          </a:p>
+          <a:p>
+            <a:pPr marL="0" indent="0">
+              <a:buNone/>
+            </a:pPr>
+            <a:endParaRPr lang="en-US" dirty="0">
+              <a:solidFill>
+                <a:srgbClr val="000000"/>
+              </a:solidFill>
+              <a:latin typeface="JetBrains Mono"/>
+            </a:endParaRPr>
+          </a:p>
+        </p:txBody>
+      </p:sp>
+    </p:spTree>
+    <p:extLst>
+      <p:ext uri="{BB962C8B-B14F-4D97-AF65-F5344CB8AC3E}">
+        <p14:creationId xmlns:p14="http://schemas.microsoft.com/office/powerpoint/2010/main" val="1464176573"/>
+      </p:ext>
+    </p:extLst>
+  </p:cSld>
+  <p:clrMapOvr>
+    <a:masterClrMapping/>
+  </p:clrMapOvr>
+</p:sld>
+</file>
+
+<file path=ppt/slides/slide21.xml><?xml version="1.0" encoding="utf-8"?>
 <p:sld xmlns:a="http://schemas.openxmlformats.org/drawingml/2006/main" xmlns:r="http://schemas.openxmlformats.org/officeDocument/2006/relationships" xmlns:p="http://schemas.openxmlformats.org/presentationml/2006/main">
   <p:cSld>
     <p:spTree>
@@ -13666,7 +15470,7 @@
 </p:sld>
 </file>
 
-<file path=ppt/slides/slide21.xml><?xml version="1.0" encoding="utf-8"?>
+<file path=ppt/slides/slide22.xml><?xml version="1.0" encoding="utf-8"?>
 <p:sld xmlns:a="http://schemas.openxmlformats.org/drawingml/2006/main" xmlns:r="http://schemas.openxmlformats.org/officeDocument/2006/relationships" xmlns:p="http://schemas.openxmlformats.org/presentationml/2006/main">
   <p:cSld>
     <p:spTree>
@@ -14683,7 +16487,7 @@
 </p:sld>
 </file>
 
-<file path=ppt/slides/slide22.xml><?xml version="1.0" encoding="utf-8"?>
+<file path=ppt/slides/slide23.xml><?xml version="1.0" encoding="utf-8"?>
 <p:sld xmlns:a="http://schemas.openxmlformats.org/drawingml/2006/main" xmlns:r="http://schemas.openxmlformats.org/officeDocument/2006/relationships" xmlns:p="http://schemas.openxmlformats.org/presentationml/2006/main">
   <p:cSld>
     <p:spTree>
@@ -15497,7 +17301,7 @@
 </p:sld>
 </file>
 
-<file path=ppt/slides/slide23.xml><?xml version="1.0" encoding="utf-8"?>
+<file path=ppt/slides/slide24.xml><?xml version="1.0" encoding="utf-8"?>
 <p:sld xmlns:a="http://schemas.openxmlformats.org/drawingml/2006/main" xmlns:r="http://schemas.openxmlformats.org/officeDocument/2006/relationships" xmlns:p="http://schemas.openxmlformats.org/presentationml/2006/main">
   <p:cSld>
     <p:spTree>
@@ -16561,7 +18365,7 @@
 </p:sld>
 </file>
 
-<file path=ppt/slides/slide24.xml><?xml version="1.0" encoding="utf-8"?>
+<file path=ppt/slides/slide25.xml><?xml version="1.0" encoding="utf-8"?>
 <p:sld xmlns:a="http://schemas.openxmlformats.org/drawingml/2006/main" xmlns:r="http://schemas.openxmlformats.org/officeDocument/2006/relationships" xmlns:p="http://schemas.openxmlformats.org/presentationml/2006/main">
   <p:cSld>
     <p:spTree>
@@ -16680,7 +18484,7 @@
 </p:sld>
 </file>
 
-<file path=ppt/slides/slide25.xml><?xml version="1.0" encoding="utf-8"?>
+<file path=ppt/slides/slide26.xml><?xml version="1.0" encoding="utf-8"?>
 <p:sld xmlns:a="http://schemas.openxmlformats.org/drawingml/2006/main" xmlns:r="http://schemas.openxmlformats.org/officeDocument/2006/relationships" xmlns:p="http://schemas.openxmlformats.org/presentationml/2006/main">
   <p:cSld>
     <p:spTree>
@@ -17043,7 +18847,7 @@
 </p:sld>
 </file>
 
-<file path=ppt/slides/slide26.xml><?xml version="1.0" encoding="utf-8"?>
+<file path=ppt/slides/slide27.xml><?xml version="1.0" encoding="utf-8"?>
 <p:sld xmlns:a="http://schemas.openxmlformats.org/drawingml/2006/main" xmlns:r="http://schemas.openxmlformats.org/officeDocument/2006/relationships" xmlns:p="http://schemas.openxmlformats.org/presentationml/2006/main">
   <p:cSld>
     <p:spTree>
@@ -17150,7 +18954,7 @@
 </p:sld>
 </file>
 
-<file path=ppt/slides/slide27.xml><?xml version="1.0" encoding="utf-8"?>
+<file path=ppt/slides/slide28.xml><?xml version="1.0" encoding="utf-8"?>
 <p:sld xmlns:a="http://schemas.openxmlformats.org/drawingml/2006/main" xmlns:r="http://schemas.openxmlformats.org/officeDocument/2006/relationships" xmlns:p="http://schemas.openxmlformats.org/presentationml/2006/main">
   <p:cSld>
     <p:spTree>
@@ -18208,7 +20012,7 @@
 </p:sld>
 </file>
 
-<file path=ppt/slides/slide28.xml><?xml version="1.0" encoding="utf-8"?>
+<file path=ppt/slides/slide29.xml><?xml version="1.0" encoding="utf-8"?>
 <p:sld xmlns:a="http://schemas.openxmlformats.org/drawingml/2006/main" xmlns:r="http://schemas.openxmlformats.org/officeDocument/2006/relationships" xmlns:p="http://schemas.openxmlformats.org/presentationml/2006/main">
   <p:cSld>
     <p:spTree>
@@ -19879,485 +21683,6 @@
       <p:bldP spid="5" grpId="0" build="p"/>
     </p:bldLst>
   </p:timing>
-</p:sld>
-</file>
-
-<file path=ppt/slides/slide29.xml><?xml version="1.0" encoding="utf-8"?>
-<p:sld xmlns:a="http://schemas.openxmlformats.org/drawingml/2006/main" xmlns:r="http://schemas.openxmlformats.org/officeDocument/2006/relationships" xmlns:p="http://schemas.openxmlformats.org/presentationml/2006/main">
-  <p:cSld>
-    <p:spTree>
-      <p:nvGrpSpPr>
-        <p:cNvPr id="1" name=""/>
-        <p:cNvGrpSpPr/>
-        <p:nvPr/>
-      </p:nvGrpSpPr>
-      <p:grpSpPr>
-        <a:xfrm>
-          <a:off x="0" y="0"/>
-          <a:ext cx="0" cy="0"/>
-          <a:chOff x="0" y="0"/>
-          <a:chExt cx="0" cy="0"/>
-        </a:xfrm>
-      </p:grpSpPr>
-      <p:sp>
-        <p:nvSpPr>
-          <p:cNvPr id="2" name="Title 1">
-            <a:extLst>
-              <a:ext uri="{FF2B5EF4-FFF2-40B4-BE49-F238E27FC236}">
-                <a16:creationId xmlns:a16="http://schemas.microsoft.com/office/drawing/2014/main" id="{C3556AC1-2721-D96B-91E5-5E00BCF005D5}"/>
-              </a:ext>
-            </a:extLst>
-          </p:cNvPr>
-          <p:cNvSpPr>
-            <a:spLocks noGrp="1"/>
-          </p:cNvSpPr>
-          <p:nvPr>
-            <p:ph type="title"/>
-          </p:nvPr>
-        </p:nvSpPr>
-        <p:spPr/>
-        <p:txBody>
-          <a:bodyPr/>
-          <a:lstStyle/>
-          <a:p>
-            <a:r>
-              <a:rPr lang="en-US" dirty="0"/>
-              <a:t>Filter</a:t>
-            </a:r>
-            <a:endParaRPr lang="ru-RU" dirty="0"/>
-          </a:p>
-        </p:txBody>
-      </p:sp>
-      <p:sp>
-        <p:nvSpPr>
-          <p:cNvPr id="3" name="Content Placeholder 2">
-            <a:extLst>
-              <a:ext uri="{FF2B5EF4-FFF2-40B4-BE49-F238E27FC236}">
-                <a16:creationId xmlns:a16="http://schemas.microsoft.com/office/drawing/2014/main" id="{7174F035-2B51-6619-F7F3-27D13B0EDB72}"/>
-              </a:ext>
-            </a:extLst>
-          </p:cNvPr>
-          <p:cNvSpPr>
-            <a:spLocks noGrp="1"/>
-          </p:cNvSpPr>
-          <p:nvPr>
-            <p:ph idx="1"/>
-          </p:nvPr>
-        </p:nvSpPr>
-        <p:spPr/>
-        <p:txBody>
-          <a:bodyPr/>
-          <a:lstStyle/>
-          <a:p>
-            <a:pPr marL="0" indent="0">
-              <a:buNone/>
-            </a:pPr>
-            <a:r>
-              <a:rPr lang="en-US" dirty="0">
-                <a:solidFill>
-                  <a:srgbClr val="0033B3"/>
-                </a:solidFill>
-                <a:effectLst/>
-                <a:latin typeface="JetBrains Mono"/>
-              </a:rPr>
-              <a:t>let </a:t>
-            </a:r>
-            <a:r>
-              <a:rPr lang="en-US" dirty="0">
-                <a:solidFill>
-                  <a:srgbClr val="000000"/>
-                </a:solidFill>
-                <a:effectLst/>
-                <a:latin typeface="JetBrains Mono"/>
-              </a:rPr>
-              <a:t>vector </a:t>
-            </a:r>
-            <a:r>
-              <a:rPr lang="en-US" dirty="0">
-                <a:solidFill>
-                  <a:srgbClr val="080808"/>
-                </a:solidFill>
-                <a:effectLst/>
-                <a:latin typeface="JetBrains Mono"/>
-              </a:rPr>
-              <a:t>= </a:t>
-            </a:r>
-            <a:r>
-              <a:rPr lang="en-US" dirty="0" err="1">
-                <a:solidFill>
-                  <a:srgbClr val="DD6718"/>
-                </a:solidFill>
-                <a:effectLst/>
-                <a:latin typeface="JetBrains Mono"/>
-              </a:rPr>
-              <a:t>vec</a:t>
-            </a:r>
-            <a:r>
-              <a:rPr lang="en-US" dirty="0">
-                <a:solidFill>
-                  <a:srgbClr val="DD6718"/>
-                </a:solidFill>
-                <a:effectLst/>
-                <a:latin typeface="JetBrains Mono"/>
-              </a:rPr>
-              <a:t>!</a:t>
-            </a:r>
-            <a:r>
-              <a:rPr lang="en-US" dirty="0">
-                <a:solidFill>
-                  <a:srgbClr val="080808"/>
-                </a:solidFill>
-                <a:effectLst/>
-                <a:latin typeface="JetBrains Mono"/>
-              </a:rPr>
-              <a:t>[</a:t>
-            </a:r>
-            <a:r>
-              <a:rPr lang="en-US" dirty="0">
-                <a:solidFill>
-                  <a:srgbClr val="1750EB"/>
-                </a:solidFill>
-                <a:effectLst/>
-                <a:latin typeface="JetBrains Mono"/>
-              </a:rPr>
-              <a:t>1</a:t>
-            </a:r>
-            <a:r>
-              <a:rPr lang="en-US" dirty="0">
-                <a:solidFill>
-                  <a:srgbClr val="080808"/>
-                </a:solidFill>
-                <a:effectLst/>
-                <a:latin typeface="JetBrains Mono"/>
-              </a:rPr>
-              <a:t>, </a:t>
-            </a:r>
-            <a:r>
-              <a:rPr lang="en-US" dirty="0">
-                <a:solidFill>
-                  <a:srgbClr val="1750EB"/>
-                </a:solidFill>
-                <a:effectLst/>
-                <a:latin typeface="JetBrains Mono"/>
-              </a:rPr>
-              <a:t>2</a:t>
-            </a:r>
-            <a:r>
-              <a:rPr lang="en-US" dirty="0">
-                <a:solidFill>
-                  <a:srgbClr val="080808"/>
-                </a:solidFill>
-                <a:effectLst/>
-                <a:latin typeface="JetBrains Mono"/>
-              </a:rPr>
-              <a:t>, </a:t>
-            </a:r>
-            <a:r>
-              <a:rPr lang="en-US" dirty="0">
-                <a:solidFill>
-                  <a:srgbClr val="1750EB"/>
-                </a:solidFill>
-                <a:effectLst/>
-                <a:latin typeface="JetBrains Mono"/>
-              </a:rPr>
-              <a:t>3</a:t>
-            </a:r>
-            <a:r>
-              <a:rPr lang="en-US" dirty="0">
-                <a:solidFill>
-                  <a:srgbClr val="080808"/>
-                </a:solidFill>
-                <a:effectLst/>
-                <a:latin typeface="JetBrains Mono"/>
-              </a:rPr>
-              <a:t>, </a:t>
-            </a:r>
-            <a:r>
-              <a:rPr lang="en-US" dirty="0">
-                <a:solidFill>
-                  <a:srgbClr val="1750EB"/>
-                </a:solidFill>
-                <a:effectLst/>
-                <a:latin typeface="JetBrains Mono"/>
-              </a:rPr>
-              <a:t>4</a:t>
-            </a:r>
-            <a:r>
-              <a:rPr lang="en-US" dirty="0">
-                <a:solidFill>
-                  <a:srgbClr val="080808"/>
-                </a:solidFill>
-                <a:effectLst/>
-                <a:latin typeface="JetBrains Mono"/>
-              </a:rPr>
-              <a:t>, </a:t>
-            </a:r>
-            <a:r>
-              <a:rPr lang="en-US" dirty="0">
-                <a:solidFill>
-                  <a:srgbClr val="1750EB"/>
-                </a:solidFill>
-                <a:effectLst/>
-                <a:latin typeface="JetBrains Mono"/>
-              </a:rPr>
-              <a:t>5</a:t>
-            </a:r>
-            <a:r>
-              <a:rPr lang="en-US" dirty="0">
-                <a:solidFill>
-                  <a:srgbClr val="080808"/>
-                </a:solidFill>
-                <a:effectLst/>
-                <a:latin typeface="JetBrains Mono"/>
-              </a:rPr>
-              <a:t>, </a:t>
-            </a:r>
-            <a:r>
-              <a:rPr lang="en-US" dirty="0">
-                <a:solidFill>
-                  <a:srgbClr val="1750EB"/>
-                </a:solidFill>
-                <a:effectLst/>
-                <a:latin typeface="JetBrains Mono"/>
-              </a:rPr>
-              <a:t>6</a:t>
-            </a:r>
-            <a:r>
-              <a:rPr lang="en-US" dirty="0">
-                <a:solidFill>
-                  <a:srgbClr val="080808"/>
-                </a:solidFill>
-                <a:effectLst/>
-                <a:latin typeface="JetBrains Mono"/>
-              </a:rPr>
-              <a:t>, </a:t>
-            </a:r>
-            <a:r>
-              <a:rPr lang="en-US" dirty="0">
-                <a:solidFill>
-                  <a:srgbClr val="1750EB"/>
-                </a:solidFill>
-                <a:effectLst/>
-                <a:latin typeface="JetBrains Mono"/>
-              </a:rPr>
-              <a:t>7</a:t>
-            </a:r>
-            <a:r>
-              <a:rPr lang="en-US" dirty="0">
-                <a:solidFill>
-                  <a:srgbClr val="080808"/>
-                </a:solidFill>
-                <a:effectLst/>
-                <a:latin typeface="JetBrains Mono"/>
-              </a:rPr>
-              <a:t>, </a:t>
-            </a:r>
-            <a:r>
-              <a:rPr lang="en-US" dirty="0">
-                <a:solidFill>
-                  <a:srgbClr val="1750EB"/>
-                </a:solidFill>
-                <a:effectLst/>
-                <a:latin typeface="JetBrains Mono"/>
-              </a:rPr>
-              <a:t>8</a:t>
-            </a:r>
-            <a:r>
-              <a:rPr lang="en-US" dirty="0">
-                <a:solidFill>
-                  <a:srgbClr val="080808"/>
-                </a:solidFill>
-                <a:effectLst/>
-                <a:latin typeface="JetBrains Mono"/>
-              </a:rPr>
-              <a:t>, </a:t>
-            </a:r>
-            <a:r>
-              <a:rPr lang="en-US" dirty="0">
-                <a:solidFill>
-                  <a:srgbClr val="1750EB"/>
-                </a:solidFill>
-                <a:effectLst/>
-                <a:latin typeface="JetBrains Mono"/>
-              </a:rPr>
-              <a:t>9</a:t>
-            </a:r>
-            <a:r>
-              <a:rPr lang="en-US" dirty="0">
-                <a:solidFill>
-                  <a:srgbClr val="080808"/>
-                </a:solidFill>
-                <a:effectLst/>
-                <a:latin typeface="JetBrains Mono"/>
-              </a:rPr>
-              <a:t>];</a:t>
-            </a:r>
-            <a:endParaRPr lang="en-US" dirty="0">
-              <a:solidFill>
-                <a:srgbClr val="0033B3"/>
-              </a:solidFill>
-              <a:effectLst/>
-              <a:latin typeface="JetBrains Mono"/>
-            </a:endParaRPr>
-          </a:p>
-          <a:p>
-            <a:pPr marL="0" indent="0">
-              <a:buNone/>
-            </a:pPr>
-            <a:r>
-              <a:rPr lang="en-US" dirty="0">
-                <a:solidFill>
-                  <a:srgbClr val="0033B3"/>
-                </a:solidFill>
-                <a:effectLst/>
-                <a:latin typeface="JetBrains Mono"/>
-              </a:rPr>
-              <a:t>let </a:t>
-            </a:r>
-            <a:r>
-              <a:rPr lang="en-US" dirty="0">
-                <a:solidFill>
-                  <a:srgbClr val="000000"/>
-                </a:solidFill>
-                <a:effectLst/>
-                <a:latin typeface="JetBrains Mono"/>
-              </a:rPr>
-              <a:t>result </a:t>
-            </a:r>
-            <a:r>
-              <a:rPr lang="en-US" dirty="0">
-                <a:solidFill>
-                  <a:srgbClr val="080808"/>
-                </a:solidFill>
-                <a:effectLst/>
-                <a:latin typeface="JetBrains Mono"/>
-              </a:rPr>
-              <a:t>= </a:t>
-            </a:r>
-            <a:r>
-              <a:rPr lang="en-US" dirty="0" err="1">
-                <a:solidFill>
-                  <a:srgbClr val="000000"/>
-                </a:solidFill>
-                <a:effectLst/>
-                <a:latin typeface="JetBrains Mono"/>
-              </a:rPr>
-              <a:t>vector</a:t>
-            </a:r>
-            <a:r>
-              <a:rPr lang="en-US" dirty="0" err="1">
-                <a:solidFill>
-                  <a:srgbClr val="080808"/>
-                </a:solidFill>
-                <a:effectLst/>
-                <a:latin typeface="JetBrains Mono"/>
-              </a:rPr>
-              <a:t>.iter</a:t>
-            </a:r>
-            <a:r>
-              <a:rPr lang="en-US" dirty="0">
-                <a:solidFill>
-                  <a:srgbClr val="080808"/>
-                </a:solidFill>
-                <a:effectLst/>
-                <a:latin typeface="JetBrains Mono"/>
-              </a:rPr>
-              <a:t>()</a:t>
-            </a:r>
-            <a:br>
-              <a:rPr lang="en-US" dirty="0">
-                <a:solidFill>
-                  <a:srgbClr val="080808"/>
-                </a:solidFill>
-                <a:effectLst/>
-                <a:latin typeface="JetBrains Mono"/>
-              </a:rPr>
-            </a:br>
-            <a:r>
-              <a:rPr lang="en-US" dirty="0">
-                <a:solidFill>
-                  <a:srgbClr val="080808"/>
-                </a:solidFill>
-                <a:effectLst/>
-                <a:latin typeface="JetBrains Mono"/>
-              </a:rPr>
-              <a:t>    .filter(|x| **x &gt; </a:t>
-            </a:r>
-            <a:r>
-              <a:rPr lang="en-US" dirty="0">
-                <a:solidFill>
-                  <a:srgbClr val="1750EB"/>
-                </a:solidFill>
-                <a:effectLst/>
-                <a:latin typeface="JetBrains Mono"/>
-              </a:rPr>
-              <a:t>5</a:t>
-            </a:r>
-            <a:r>
-              <a:rPr lang="en-US" dirty="0">
-                <a:solidFill>
-                  <a:srgbClr val="080808"/>
-                </a:solidFill>
-                <a:effectLst/>
-                <a:latin typeface="JetBrains Mono"/>
-              </a:rPr>
-              <a:t>)</a:t>
-            </a:r>
-            <a:br>
-              <a:rPr lang="en-US" dirty="0">
-                <a:solidFill>
-                  <a:srgbClr val="080808"/>
-                </a:solidFill>
-                <a:effectLst/>
-                <a:latin typeface="JetBrains Mono"/>
-              </a:rPr>
-            </a:br>
-            <a:r>
-              <a:rPr lang="en-US" dirty="0">
-                <a:solidFill>
-                  <a:srgbClr val="080808"/>
-                </a:solidFill>
-                <a:effectLst/>
-                <a:latin typeface="JetBrains Mono"/>
-              </a:rPr>
-              <a:t>    .map(|x| </a:t>
-            </a:r>
-            <a:r>
-              <a:rPr lang="en-US" dirty="0" err="1">
-                <a:solidFill>
-                  <a:srgbClr val="080808"/>
-                </a:solidFill>
-                <a:effectLst/>
-                <a:latin typeface="JetBrains Mono"/>
-              </a:rPr>
-              <a:t>x.to_string</a:t>
-            </a:r>
-            <a:r>
-              <a:rPr lang="en-US" dirty="0">
-                <a:solidFill>
-                  <a:srgbClr val="080808"/>
-                </a:solidFill>
-                <a:effectLst/>
-                <a:latin typeface="JetBrains Mono"/>
-              </a:rPr>
-              <a:t>());</a:t>
-            </a:r>
-          </a:p>
-          <a:p>
-            <a:endParaRPr lang="ru-RU" dirty="0"/>
-          </a:p>
-        </p:txBody>
-      </p:sp>
-    </p:spTree>
-    <p:extLst>
-      <p:ext uri="{BB962C8B-B14F-4D97-AF65-F5344CB8AC3E}">
-        <p14:creationId xmlns:p14="http://schemas.microsoft.com/office/powerpoint/2010/main" val="2786718673"/>
-      </p:ext>
-    </p:extLst>
-  </p:cSld>
-  <p:clrMapOvr>
-    <a:masterClrMapping/>
-  </p:clrMapOvr>
 </p:sld>
 </file>
 
@@ -21269,6 +22594,485 @@
           <p:cNvPr id="2" name="Title 1">
             <a:extLst>
               <a:ext uri="{FF2B5EF4-FFF2-40B4-BE49-F238E27FC236}">
+                <a16:creationId xmlns:a16="http://schemas.microsoft.com/office/drawing/2014/main" id="{C3556AC1-2721-D96B-91E5-5E00BCF005D5}"/>
+              </a:ext>
+            </a:extLst>
+          </p:cNvPr>
+          <p:cNvSpPr>
+            <a:spLocks noGrp="1"/>
+          </p:cNvSpPr>
+          <p:nvPr>
+            <p:ph type="title"/>
+          </p:nvPr>
+        </p:nvSpPr>
+        <p:spPr/>
+        <p:txBody>
+          <a:bodyPr/>
+          <a:lstStyle/>
+          <a:p>
+            <a:r>
+              <a:rPr lang="en-US" dirty="0"/>
+              <a:t>Filter</a:t>
+            </a:r>
+            <a:endParaRPr lang="ru-RU" dirty="0"/>
+          </a:p>
+        </p:txBody>
+      </p:sp>
+      <p:sp>
+        <p:nvSpPr>
+          <p:cNvPr id="3" name="Content Placeholder 2">
+            <a:extLst>
+              <a:ext uri="{FF2B5EF4-FFF2-40B4-BE49-F238E27FC236}">
+                <a16:creationId xmlns:a16="http://schemas.microsoft.com/office/drawing/2014/main" id="{7174F035-2B51-6619-F7F3-27D13B0EDB72}"/>
+              </a:ext>
+            </a:extLst>
+          </p:cNvPr>
+          <p:cNvSpPr>
+            <a:spLocks noGrp="1"/>
+          </p:cNvSpPr>
+          <p:nvPr>
+            <p:ph idx="1"/>
+          </p:nvPr>
+        </p:nvSpPr>
+        <p:spPr/>
+        <p:txBody>
+          <a:bodyPr/>
+          <a:lstStyle/>
+          <a:p>
+            <a:pPr marL="0" indent="0">
+              <a:buNone/>
+            </a:pPr>
+            <a:r>
+              <a:rPr lang="en-US" dirty="0">
+                <a:solidFill>
+                  <a:srgbClr val="0033B3"/>
+                </a:solidFill>
+                <a:effectLst/>
+                <a:latin typeface="JetBrains Mono"/>
+              </a:rPr>
+              <a:t>let </a:t>
+            </a:r>
+            <a:r>
+              <a:rPr lang="en-US" dirty="0">
+                <a:solidFill>
+                  <a:srgbClr val="000000"/>
+                </a:solidFill>
+                <a:effectLst/>
+                <a:latin typeface="JetBrains Mono"/>
+              </a:rPr>
+              <a:t>vector </a:t>
+            </a:r>
+            <a:r>
+              <a:rPr lang="en-US" dirty="0">
+                <a:solidFill>
+                  <a:srgbClr val="080808"/>
+                </a:solidFill>
+                <a:effectLst/>
+                <a:latin typeface="JetBrains Mono"/>
+              </a:rPr>
+              <a:t>= </a:t>
+            </a:r>
+            <a:r>
+              <a:rPr lang="en-US" dirty="0" err="1">
+                <a:solidFill>
+                  <a:srgbClr val="DD6718"/>
+                </a:solidFill>
+                <a:effectLst/>
+                <a:latin typeface="JetBrains Mono"/>
+              </a:rPr>
+              <a:t>vec</a:t>
+            </a:r>
+            <a:r>
+              <a:rPr lang="en-US" dirty="0">
+                <a:solidFill>
+                  <a:srgbClr val="DD6718"/>
+                </a:solidFill>
+                <a:effectLst/>
+                <a:latin typeface="JetBrains Mono"/>
+              </a:rPr>
+              <a:t>!</a:t>
+            </a:r>
+            <a:r>
+              <a:rPr lang="en-US" dirty="0">
+                <a:solidFill>
+                  <a:srgbClr val="080808"/>
+                </a:solidFill>
+                <a:effectLst/>
+                <a:latin typeface="JetBrains Mono"/>
+              </a:rPr>
+              <a:t>[</a:t>
+            </a:r>
+            <a:r>
+              <a:rPr lang="en-US" dirty="0">
+                <a:solidFill>
+                  <a:srgbClr val="1750EB"/>
+                </a:solidFill>
+                <a:effectLst/>
+                <a:latin typeface="JetBrains Mono"/>
+              </a:rPr>
+              <a:t>1</a:t>
+            </a:r>
+            <a:r>
+              <a:rPr lang="en-US" dirty="0">
+                <a:solidFill>
+                  <a:srgbClr val="080808"/>
+                </a:solidFill>
+                <a:effectLst/>
+                <a:latin typeface="JetBrains Mono"/>
+              </a:rPr>
+              <a:t>, </a:t>
+            </a:r>
+            <a:r>
+              <a:rPr lang="en-US" dirty="0">
+                <a:solidFill>
+                  <a:srgbClr val="1750EB"/>
+                </a:solidFill>
+                <a:effectLst/>
+                <a:latin typeface="JetBrains Mono"/>
+              </a:rPr>
+              <a:t>2</a:t>
+            </a:r>
+            <a:r>
+              <a:rPr lang="en-US" dirty="0">
+                <a:solidFill>
+                  <a:srgbClr val="080808"/>
+                </a:solidFill>
+                <a:effectLst/>
+                <a:latin typeface="JetBrains Mono"/>
+              </a:rPr>
+              <a:t>, </a:t>
+            </a:r>
+            <a:r>
+              <a:rPr lang="en-US" dirty="0">
+                <a:solidFill>
+                  <a:srgbClr val="1750EB"/>
+                </a:solidFill>
+                <a:effectLst/>
+                <a:latin typeface="JetBrains Mono"/>
+              </a:rPr>
+              <a:t>3</a:t>
+            </a:r>
+            <a:r>
+              <a:rPr lang="en-US" dirty="0">
+                <a:solidFill>
+                  <a:srgbClr val="080808"/>
+                </a:solidFill>
+                <a:effectLst/>
+                <a:latin typeface="JetBrains Mono"/>
+              </a:rPr>
+              <a:t>, </a:t>
+            </a:r>
+            <a:r>
+              <a:rPr lang="en-US" dirty="0">
+                <a:solidFill>
+                  <a:srgbClr val="1750EB"/>
+                </a:solidFill>
+                <a:effectLst/>
+                <a:latin typeface="JetBrains Mono"/>
+              </a:rPr>
+              <a:t>4</a:t>
+            </a:r>
+            <a:r>
+              <a:rPr lang="en-US" dirty="0">
+                <a:solidFill>
+                  <a:srgbClr val="080808"/>
+                </a:solidFill>
+                <a:effectLst/>
+                <a:latin typeface="JetBrains Mono"/>
+              </a:rPr>
+              <a:t>, </a:t>
+            </a:r>
+            <a:r>
+              <a:rPr lang="en-US" dirty="0">
+                <a:solidFill>
+                  <a:srgbClr val="1750EB"/>
+                </a:solidFill>
+                <a:effectLst/>
+                <a:latin typeface="JetBrains Mono"/>
+              </a:rPr>
+              <a:t>5</a:t>
+            </a:r>
+            <a:r>
+              <a:rPr lang="en-US" dirty="0">
+                <a:solidFill>
+                  <a:srgbClr val="080808"/>
+                </a:solidFill>
+                <a:effectLst/>
+                <a:latin typeface="JetBrains Mono"/>
+              </a:rPr>
+              <a:t>, </a:t>
+            </a:r>
+            <a:r>
+              <a:rPr lang="en-US" dirty="0">
+                <a:solidFill>
+                  <a:srgbClr val="1750EB"/>
+                </a:solidFill>
+                <a:effectLst/>
+                <a:latin typeface="JetBrains Mono"/>
+              </a:rPr>
+              <a:t>6</a:t>
+            </a:r>
+            <a:r>
+              <a:rPr lang="en-US" dirty="0">
+                <a:solidFill>
+                  <a:srgbClr val="080808"/>
+                </a:solidFill>
+                <a:effectLst/>
+                <a:latin typeface="JetBrains Mono"/>
+              </a:rPr>
+              <a:t>, </a:t>
+            </a:r>
+            <a:r>
+              <a:rPr lang="en-US" dirty="0">
+                <a:solidFill>
+                  <a:srgbClr val="1750EB"/>
+                </a:solidFill>
+                <a:effectLst/>
+                <a:latin typeface="JetBrains Mono"/>
+              </a:rPr>
+              <a:t>7</a:t>
+            </a:r>
+            <a:r>
+              <a:rPr lang="en-US" dirty="0">
+                <a:solidFill>
+                  <a:srgbClr val="080808"/>
+                </a:solidFill>
+                <a:effectLst/>
+                <a:latin typeface="JetBrains Mono"/>
+              </a:rPr>
+              <a:t>, </a:t>
+            </a:r>
+            <a:r>
+              <a:rPr lang="en-US" dirty="0">
+                <a:solidFill>
+                  <a:srgbClr val="1750EB"/>
+                </a:solidFill>
+                <a:effectLst/>
+                <a:latin typeface="JetBrains Mono"/>
+              </a:rPr>
+              <a:t>8</a:t>
+            </a:r>
+            <a:r>
+              <a:rPr lang="en-US" dirty="0">
+                <a:solidFill>
+                  <a:srgbClr val="080808"/>
+                </a:solidFill>
+                <a:effectLst/>
+                <a:latin typeface="JetBrains Mono"/>
+              </a:rPr>
+              <a:t>, </a:t>
+            </a:r>
+            <a:r>
+              <a:rPr lang="en-US" dirty="0">
+                <a:solidFill>
+                  <a:srgbClr val="1750EB"/>
+                </a:solidFill>
+                <a:effectLst/>
+                <a:latin typeface="JetBrains Mono"/>
+              </a:rPr>
+              <a:t>9</a:t>
+            </a:r>
+            <a:r>
+              <a:rPr lang="en-US" dirty="0">
+                <a:solidFill>
+                  <a:srgbClr val="080808"/>
+                </a:solidFill>
+                <a:effectLst/>
+                <a:latin typeface="JetBrains Mono"/>
+              </a:rPr>
+              <a:t>];</a:t>
+            </a:r>
+            <a:endParaRPr lang="en-US" dirty="0">
+              <a:solidFill>
+                <a:srgbClr val="0033B3"/>
+              </a:solidFill>
+              <a:effectLst/>
+              <a:latin typeface="JetBrains Mono"/>
+            </a:endParaRPr>
+          </a:p>
+          <a:p>
+            <a:pPr marL="0" indent="0">
+              <a:buNone/>
+            </a:pPr>
+            <a:r>
+              <a:rPr lang="en-US" dirty="0">
+                <a:solidFill>
+                  <a:srgbClr val="0033B3"/>
+                </a:solidFill>
+                <a:effectLst/>
+                <a:latin typeface="JetBrains Mono"/>
+              </a:rPr>
+              <a:t>let </a:t>
+            </a:r>
+            <a:r>
+              <a:rPr lang="en-US" dirty="0">
+                <a:solidFill>
+                  <a:srgbClr val="000000"/>
+                </a:solidFill>
+                <a:effectLst/>
+                <a:latin typeface="JetBrains Mono"/>
+              </a:rPr>
+              <a:t>result </a:t>
+            </a:r>
+            <a:r>
+              <a:rPr lang="en-US" dirty="0">
+                <a:solidFill>
+                  <a:srgbClr val="080808"/>
+                </a:solidFill>
+                <a:effectLst/>
+                <a:latin typeface="JetBrains Mono"/>
+              </a:rPr>
+              <a:t>= </a:t>
+            </a:r>
+            <a:r>
+              <a:rPr lang="en-US" dirty="0" err="1">
+                <a:solidFill>
+                  <a:srgbClr val="000000"/>
+                </a:solidFill>
+                <a:effectLst/>
+                <a:latin typeface="JetBrains Mono"/>
+              </a:rPr>
+              <a:t>vector</a:t>
+            </a:r>
+            <a:r>
+              <a:rPr lang="en-US" dirty="0" err="1">
+                <a:solidFill>
+                  <a:srgbClr val="080808"/>
+                </a:solidFill>
+                <a:effectLst/>
+                <a:latin typeface="JetBrains Mono"/>
+              </a:rPr>
+              <a:t>.iter</a:t>
+            </a:r>
+            <a:r>
+              <a:rPr lang="en-US" dirty="0">
+                <a:solidFill>
+                  <a:srgbClr val="080808"/>
+                </a:solidFill>
+                <a:effectLst/>
+                <a:latin typeface="JetBrains Mono"/>
+              </a:rPr>
+              <a:t>()</a:t>
+            </a:r>
+            <a:br>
+              <a:rPr lang="en-US" dirty="0">
+                <a:solidFill>
+                  <a:srgbClr val="080808"/>
+                </a:solidFill>
+                <a:effectLst/>
+                <a:latin typeface="JetBrains Mono"/>
+              </a:rPr>
+            </a:br>
+            <a:r>
+              <a:rPr lang="en-US" dirty="0">
+                <a:solidFill>
+                  <a:srgbClr val="080808"/>
+                </a:solidFill>
+                <a:effectLst/>
+                <a:latin typeface="JetBrains Mono"/>
+              </a:rPr>
+              <a:t>    .filter(|x| **x &gt; </a:t>
+            </a:r>
+            <a:r>
+              <a:rPr lang="en-US" dirty="0">
+                <a:solidFill>
+                  <a:srgbClr val="1750EB"/>
+                </a:solidFill>
+                <a:effectLst/>
+                <a:latin typeface="JetBrains Mono"/>
+              </a:rPr>
+              <a:t>5</a:t>
+            </a:r>
+            <a:r>
+              <a:rPr lang="en-US" dirty="0">
+                <a:solidFill>
+                  <a:srgbClr val="080808"/>
+                </a:solidFill>
+                <a:effectLst/>
+                <a:latin typeface="JetBrains Mono"/>
+              </a:rPr>
+              <a:t>)</a:t>
+            </a:r>
+            <a:br>
+              <a:rPr lang="en-US" dirty="0">
+                <a:solidFill>
+                  <a:srgbClr val="080808"/>
+                </a:solidFill>
+                <a:effectLst/>
+                <a:latin typeface="JetBrains Mono"/>
+              </a:rPr>
+            </a:br>
+            <a:r>
+              <a:rPr lang="en-US" dirty="0">
+                <a:solidFill>
+                  <a:srgbClr val="080808"/>
+                </a:solidFill>
+                <a:effectLst/>
+                <a:latin typeface="JetBrains Mono"/>
+              </a:rPr>
+              <a:t>    .map(|x| </a:t>
+            </a:r>
+            <a:r>
+              <a:rPr lang="en-US" dirty="0" err="1">
+                <a:solidFill>
+                  <a:srgbClr val="080808"/>
+                </a:solidFill>
+                <a:effectLst/>
+                <a:latin typeface="JetBrains Mono"/>
+              </a:rPr>
+              <a:t>x.to_string</a:t>
+            </a:r>
+            <a:r>
+              <a:rPr lang="en-US" dirty="0">
+                <a:solidFill>
+                  <a:srgbClr val="080808"/>
+                </a:solidFill>
+                <a:effectLst/>
+                <a:latin typeface="JetBrains Mono"/>
+              </a:rPr>
+              <a:t>());</a:t>
+            </a:r>
+          </a:p>
+          <a:p>
+            <a:endParaRPr lang="ru-RU" dirty="0"/>
+          </a:p>
+        </p:txBody>
+      </p:sp>
+    </p:spTree>
+    <p:extLst>
+      <p:ext uri="{BB962C8B-B14F-4D97-AF65-F5344CB8AC3E}">
+        <p14:creationId xmlns:p14="http://schemas.microsoft.com/office/powerpoint/2010/main" val="2786718673"/>
+      </p:ext>
+    </p:extLst>
+  </p:cSld>
+  <p:clrMapOvr>
+    <a:masterClrMapping/>
+  </p:clrMapOvr>
+</p:sld>
+</file>
+
+<file path=ppt/slides/slide31.xml><?xml version="1.0" encoding="utf-8"?>
+<p:sld xmlns:a="http://schemas.openxmlformats.org/drawingml/2006/main" xmlns:r="http://schemas.openxmlformats.org/officeDocument/2006/relationships" xmlns:p="http://schemas.openxmlformats.org/presentationml/2006/main">
+  <p:cSld>
+    <p:spTree>
+      <p:nvGrpSpPr>
+        <p:cNvPr id="1" name=""/>
+        <p:cNvGrpSpPr/>
+        <p:nvPr/>
+      </p:nvGrpSpPr>
+      <p:grpSpPr>
+        <a:xfrm>
+          <a:off x="0" y="0"/>
+          <a:ext cx="0" cy="0"/>
+          <a:chOff x="0" y="0"/>
+          <a:chExt cx="0" cy="0"/>
+        </a:xfrm>
+      </p:grpSpPr>
+      <p:sp>
+        <p:nvSpPr>
+          <p:cNvPr id="2" name="Title 1">
+            <a:extLst>
+              <a:ext uri="{FF2B5EF4-FFF2-40B4-BE49-F238E27FC236}">
                 <a16:creationId xmlns:a16="http://schemas.microsoft.com/office/drawing/2014/main" id="{8BA8429B-04ED-B785-BA52-5F7DD55D0085}"/>
               </a:ext>
             </a:extLst>
@@ -22898,7 +24702,7 @@
 </p:sld>
 </file>
 
-<file path=ppt/slides/slide31.xml><?xml version="1.0" encoding="utf-8"?>
+<file path=ppt/slides/slide32.xml><?xml version="1.0" encoding="utf-8"?>
 <p:sld xmlns:a="http://schemas.openxmlformats.org/drawingml/2006/main" xmlns:r="http://schemas.openxmlformats.org/officeDocument/2006/relationships" xmlns:p="http://schemas.openxmlformats.org/presentationml/2006/main">
   <p:cSld>
     <p:spTree>
@@ -24424,7 +26228,7 @@
 </p:sld>
 </file>
 
-<file path=ppt/slides/slide32.xml><?xml version="1.0" encoding="utf-8"?>
+<file path=ppt/slides/slide33.xml><?xml version="1.0" encoding="utf-8"?>
 <p:sld xmlns:a="http://schemas.openxmlformats.org/drawingml/2006/main" xmlns:r="http://schemas.openxmlformats.org/officeDocument/2006/relationships" xmlns:p="http://schemas.openxmlformats.org/presentationml/2006/main">
   <p:cSld>
     <p:spTree>
@@ -25922,7 +27726,7 @@
 </p:sld>
 </file>
 
-<file path=ppt/slides/slide33.xml><?xml version="1.0" encoding="utf-8"?>
+<file path=ppt/slides/slide34.xml><?xml version="1.0" encoding="utf-8"?>
 <p:sld xmlns:a="http://schemas.openxmlformats.org/drawingml/2006/main" xmlns:r="http://schemas.openxmlformats.org/officeDocument/2006/relationships" xmlns:p="http://schemas.openxmlformats.org/presentationml/2006/main">
   <p:cSld>
     <p:spTree>
@@ -26491,7 +28295,7 @@
 </p:sld>
 </file>
 
-<file path=ppt/slides/slide34.xml><?xml version="1.0" encoding="utf-8"?>
+<file path=ppt/slides/slide35.xml><?xml version="1.0" encoding="utf-8"?>
 <p:sld xmlns:a="http://schemas.openxmlformats.org/drawingml/2006/main" xmlns:r="http://schemas.openxmlformats.org/officeDocument/2006/relationships" xmlns:p="http://schemas.openxmlformats.org/presentationml/2006/main">
   <p:cSld>
     <p:spTree>
@@ -26611,7 +28415,7 @@
 </p:sld>
 </file>
 
-<file path=ppt/slides/slide35.xml><?xml version="1.0" encoding="utf-8"?>
+<file path=ppt/slides/slide36.xml><?xml version="1.0" encoding="utf-8"?>
 <p:sld xmlns:a="http://schemas.openxmlformats.org/drawingml/2006/main" xmlns:r="http://schemas.openxmlformats.org/officeDocument/2006/relationships" xmlns:p="http://schemas.openxmlformats.org/presentationml/2006/main">
   <p:cSld>
     <p:spTree>
@@ -27423,7 +29227,7 @@
 </p:sld>
 </file>
 
-<file path=ppt/slides/slide36.xml><?xml version="1.0" encoding="utf-8"?>
+<file path=ppt/slides/slide37.xml><?xml version="1.0" encoding="utf-8"?>
 <p:sld xmlns:a="http://schemas.openxmlformats.org/drawingml/2006/main" xmlns:r="http://schemas.openxmlformats.org/officeDocument/2006/relationships" xmlns:p="http://schemas.openxmlformats.org/presentationml/2006/main">
   <p:cSld>
     <p:spTree>
@@ -27715,7 +29519,7 @@
 </p:sld>
 </file>
 
-<file path=ppt/slides/slide37.xml><?xml version="1.0" encoding="utf-8"?>
+<file path=ppt/slides/slide38.xml><?xml version="1.0" encoding="utf-8"?>
 <p:sld xmlns:a="http://schemas.openxmlformats.org/drawingml/2006/main" xmlns:r="http://schemas.openxmlformats.org/officeDocument/2006/relationships" xmlns:p="http://schemas.openxmlformats.org/presentationml/2006/main">
   <p:cSld>
     <p:spTree>
@@ -28583,7 +30387,7 @@
 </p:sld>
 </file>
 
-<file path=ppt/slides/slide38.xml><?xml version="1.0" encoding="utf-8"?>
+<file path=ppt/slides/slide39.xml><?xml version="1.0" encoding="utf-8"?>
 <p:sld xmlns:a="http://schemas.openxmlformats.org/drawingml/2006/main" xmlns:r="http://schemas.openxmlformats.org/officeDocument/2006/relationships" xmlns:p="http://schemas.openxmlformats.org/presentationml/2006/main">
   <p:cSld>
     <p:spTree>
@@ -29736,583 +31540,6 @@
 </p:sld>
 </file>
 
-<file path=ppt/slides/slide39.xml><?xml version="1.0" encoding="utf-8"?>
-<p:sld xmlns:a="http://schemas.openxmlformats.org/drawingml/2006/main" xmlns:r="http://schemas.openxmlformats.org/officeDocument/2006/relationships" xmlns:p="http://schemas.openxmlformats.org/presentationml/2006/main">
-  <p:cSld>
-    <p:spTree>
-      <p:nvGrpSpPr>
-        <p:cNvPr id="1" name=""/>
-        <p:cNvGrpSpPr/>
-        <p:nvPr/>
-      </p:nvGrpSpPr>
-      <p:grpSpPr>
-        <a:xfrm>
-          <a:off x="0" y="0"/>
-          <a:ext cx="0" cy="0"/>
-          <a:chOff x="0" y="0"/>
-          <a:chExt cx="0" cy="0"/>
-        </a:xfrm>
-      </p:grpSpPr>
-      <p:sp>
-        <p:nvSpPr>
-          <p:cNvPr id="2" name="Title 1">
-            <a:extLst>
-              <a:ext uri="{FF2B5EF4-FFF2-40B4-BE49-F238E27FC236}">
-                <a16:creationId xmlns:a16="http://schemas.microsoft.com/office/drawing/2014/main" id="{A01D6C51-2FA9-D000-ACCD-FBB856DA2E55}"/>
-              </a:ext>
-            </a:extLst>
-          </p:cNvPr>
-          <p:cNvSpPr>
-            <a:spLocks noGrp="1"/>
-          </p:cNvSpPr>
-          <p:nvPr>
-            <p:ph type="title"/>
-          </p:nvPr>
-        </p:nvSpPr>
-        <p:spPr/>
-        <p:txBody>
-          <a:bodyPr/>
-          <a:lstStyle/>
-          <a:p>
-            <a:r>
-              <a:rPr lang="en-US" dirty="0"/>
-              <a:t>Collectors</a:t>
-            </a:r>
-            <a:endParaRPr lang="ru-RU" dirty="0"/>
-          </a:p>
-        </p:txBody>
-      </p:sp>
-      <p:sp>
-        <p:nvSpPr>
-          <p:cNvPr id="3" name="Content Placeholder 2">
-            <a:extLst>
-              <a:ext uri="{FF2B5EF4-FFF2-40B4-BE49-F238E27FC236}">
-                <a16:creationId xmlns:a16="http://schemas.microsoft.com/office/drawing/2014/main" id="{0386BAF7-4B43-4663-9408-84B0A26A4D8E}"/>
-              </a:ext>
-            </a:extLst>
-          </p:cNvPr>
-          <p:cNvSpPr>
-            <a:spLocks noGrp="1"/>
-          </p:cNvSpPr>
-          <p:nvPr>
-            <p:ph idx="1"/>
-          </p:nvPr>
-        </p:nvSpPr>
-        <p:spPr/>
-        <p:txBody>
-          <a:bodyPr/>
-          <a:lstStyle/>
-          <a:p>
-            <a:pPr marL="0" indent="0">
-              <a:buNone/>
-            </a:pPr>
-            <a:r>
-              <a:rPr lang="en-US" dirty="0">
-                <a:solidFill>
-                  <a:srgbClr val="0033B3"/>
-                </a:solidFill>
-                <a:effectLst/>
-                <a:latin typeface="JetBrains Mono"/>
-              </a:rPr>
-              <a:t>let </a:t>
-            </a:r>
-            <a:r>
-              <a:rPr lang="en-US" dirty="0">
-                <a:solidFill>
-                  <a:srgbClr val="000000"/>
-                </a:solidFill>
-                <a:effectLst/>
-                <a:latin typeface="JetBrains Mono"/>
-              </a:rPr>
-              <a:t>vector </a:t>
-            </a:r>
-            <a:r>
-              <a:rPr lang="en-US" dirty="0">
-                <a:solidFill>
-                  <a:srgbClr val="080808"/>
-                </a:solidFill>
-                <a:effectLst/>
-                <a:latin typeface="JetBrains Mono"/>
-              </a:rPr>
-              <a:t>= </a:t>
-            </a:r>
-            <a:r>
-              <a:rPr lang="en-US" dirty="0" err="1">
-                <a:solidFill>
-                  <a:srgbClr val="DD6718"/>
-                </a:solidFill>
-                <a:effectLst/>
-                <a:latin typeface="JetBrains Mono"/>
-              </a:rPr>
-              <a:t>vec</a:t>
-            </a:r>
-            <a:r>
-              <a:rPr lang="en-US" dirty="0">
-                <a:solidFill>
-                  <a:srgbClr val="DD6718"/>
-                </a:solidFill>
-                <a:effectLst/>
-                <a:latin typeface="JetBrains Mono"/>
-              </a:rPr>
-              <a:t>!</a:t>
-            </a:r>
-            <a:r>
-              <a:rPr lang="en-US" dirty="0">
-                <a:solidFill>
-                  <a:srgbClr val="080808"/>
-                </a:solidFill>
-                <a:effectLst/>
-                <a:latin typeface="JetBrains Mono"/>
-              </a:rPr>
-              <a:t>[</a:t>
-            </a:r>
-            <a:r>
-              <a:rPr lang="en-US" dirty="0">
-                <a:solidFill>
-                  <a:srgbClr val="1750EB"/>
-                </a:solidFill>
-                <a:effectLst/>
-                <a:latin typeface="JetBrains Mono"/>
-              </a:rPr>
-              <a:t>1</a:t>
-            </a:r>
-            <a:r>
-              <a:rPr lang="en-US" dirty="0">
-                <a:solidFill>
-                  <a:srgbClr val="080808"/>
-                </a:solidFill>
-                <a:effectLst/>
-                <a:latin typeface="JetBrains Mono"/>
-              </a:rPr>
-              <a:t>, </a:t>
-            </a:r>
-            <a:r>
-              <a:rPr lang="en-US" dirty="0">
-                <a:solidFill>
-                  <a:srgbClr val="1750EB"/>
-                </a:solidFill>
-                <a:effectLst/>
-                <a:latin typeface="JetBrains Mono"/>
-              </a:rPr>
-              <a:t>2</a:t>
-            </a:r>
-            <a:r>
-              <a:rPr lang="en-US" dirty="0">
-                <a:solidFill>
-                  <a:srgbClr val="080808"/>
-                </a:solidFill>
-                <a:effectLst/>
-                <a:latin typeface="JetBrains Mono"/>
-              </a:rPr>
-              <a:t>, </a:t>
-            </a:r>
-            <a:r>
-              <a:rPr lang="en-US" dirty="0">
-                <a:solidFill>
-                  <a:srgbClr val="1750EB"/>
-                </a:solidFill>
-                <a:effectLst/>
-                <a:latin typeface="JetBrains Mono"/>
-              </a:rPr>
-              <a:t>3</a:t>
-            </a:r>
-            <a:r>
-              <a:rPr lang="en-US" dirty="0">
-                <a:solidFill>
-                  <a:srgbClr val="080808"/>
-                </a:solidFill>
-                <a:effectLst/>
-                <a:latin typeface="JetBrains Mono"/>
-              </a:rPr>
-              <a:t>, </a:t>
-            </a:r>
-            <a:r>
-              <a:rPr lang="en-US" dirty="0">
-                <a:solidFill>
-                  <a:srgbClr val="1750EB"/>
-                </a:solidFill>
-                <a:effectLst/>
-                <a:latin typeface="JetBrains Mono"/>
-              </a:rPr>
-              <a:t>4</a:t>
-            </a:r>
-            <a:r>
-              <a:rPr lang="en-US" dirty="0">
-                <a:solidFill>
-                  <a:srgbClr val="080808"/>
-                </a:solidFill>
-                <a:effectLst/>
-                <a:latin typeface="JetBrains Mono"/>
-              </a:rPr>
-              <a:t>, </a:t>
-            </a:r>
-            <a:r>
-              <a:rPr lang="en-US" dirty="0">
-                <a:solidFill>
-                  <a:srgbClr val="1750EB"/>
-                </a:solidFill>
-                <a:effectLst/>
-                <a:latin typeface="JetBrains Mono"/>
-              </a:rPr>
-              <a:t>5</a:t>
-            </a:r>
-            <a:r>
-              <a:rPr lang="en-US" dirty="0">
-                <a:solidFill>
-                  <a:srgbClr val="080808"/>
-                </a:solidFill>
-                <a:effectLst/>
-                <a:latin typeface="JetBrains Mono"/>
-              </a:rPr>
-              <a:t>, </a:t>
-            </a:r>
-            <a:r>
-              <a:rPr lang="en-US" dirty="0">
-                <a:solidFill>
-                  <a:srgbClr val="1750EB"/>
-                </a:solidFill>
-                <a:effectLst/>
-                <a:latin typeface="JetBrains Mono"/>
-              </a:rPr>
-              <a:t>6</a:t>
-            </a:r>
-            <a:r>
-              <a:rPr lang="en-US" dirty="0">
-                <a:solidFill>
-                  <a:srgbClr val="080808"/>
-                </a:solidFill>
-                <a:effectLst/>
-                <a:latin typeface="JetBrains Mono"/>
-              </a:rPr>
-              <a:t>, </a:t>
-            </a:r>
-            <a:r>
-              <a:rPr lang="en-US" dirty="0">
-                <a:solidFill>
-                  <a:srgbClr val="1750EB"/>
-                </a:solidFill>
-                <a:effectLst/>
-                <a:latin typeface="JetBrains Mono"/>
-              </a:rPr>
-              <a:t>7</a:t>
-            </a:r>
-            <a:r>
-              <a:rPr lang="en-US" dirty="0">
-                <a:solidFill>
-                  <a:srgbClr val="080808"/>
-                </a:solidFill>
-                <a:effectLst/>
-                <a:latin typeface="JetBrains Mono"/>
-              </a:rPr>
-              <a:t>, </a:t>
-            </a:r>
-            <a:r>
-              <a:rPr lang="en-US" dirty="0">
-                <a:solidFill>
-                  <a:srgbClr val="1750EB"/>
-                </a:solidFill>
-                <a:effectLst/>
-                <a:latin typeface="JetBrains Mono"/>
-              </a:rPr>
-              <a:t>8</a:t>
-            </a:r>
-            <a:r>
-              <a:rPr lang="en-US" dirty="0">
-                <a:solidFill>
-                  <a:srgbClr val="080808"/>
-                </a:solidFill>
-                <a:effectLst/>
-                <a:latin typeface="JetBrains Mono"/>
-              </a:rPr>
-              <a:t>, </a:t>
-            </a:r>
-            <a:r>
-              <a:rPr lang="en-US" dirty="0">
-                <a:solidFill>
-                  <a:srgbClr val="1750EB"/>
-                </a:solidFill>
-                <a:effectLst/>
-                <a:latin typeface="JetBrains Mono"/>
-              </a:rPr>
-              <a:t>9</a:t>
-            </a:r>
-            <a:r>
-              <a:rPr lang="en-US" dirty="0">
-                <a:solidFill>
-                  <a:srgbClr val="080808"/>
-                </a:solidFill>
-                <a:effectLst/>
-                <a:latin typeface="JetBrains Mono"/>
-              </a:rPr>
-              <a:t>];</a:t>
-            </a:r>
-            <a:br>
-              <a:rPr lang="en-US" dirty="0">
-                <a:solidFill>
-                  <a:srgbClr val="080808"/>
-                </a:solidFill>
-                <a:effectLst/>
-                <a:latin typeface="JetBrains Mono"/>
-              </a:rPr>
-            </a:br>
-            <a:br>
-              <a:rPr lang="en-US" dirty="0">
-                <a:solidFill>
-                  <a:srgbClr val="080808"/>
-                </a:solidFill>
-                <a:effectLst/>
-                <a:latin typeface="JetBrains Mono"/>
-              </a:rPr>
-            </a:br>
-            <a:r>
-              <a:rPr lang="en-US" dirty="0">
-                <a:solidFill>
-                  <a:srgbClr val="0033B3"/>
-                </a:solidFill>
-                <a:effectLst/>
-                <a:latin typeface="JetBrains Mono"/>
-              </a:rPr>
-              <a:t>let </a:t>
-            </a:r>
-            <a:r>
-              <a:rPr lang="en-US" dirty="0">
-                <a:solidFill>
-                  <a:srgbClr val="000000"/>
-                </a:solidFill>
-                <a:effectLst/>
-                <a:latin typeface="JetBrains Mono"/>
-              </a:rPr>
-              <a:t>result</a:t>
-            </a:r>
-            <a:r>
-              <a:rPr lang="en-US" dirty="0">
-                <a:solidFill>
-                  <a:srgbClr val="080808"/>
-                </a:solidFill>
-                <a:effectLst/>
-                <a:latin typeface="JetBrains Mono"/>
-              </a:rPr>
-              <a:t>: </a:t>
-            </a:r>
-            <a:r>
-              <a:rPr lang="en-US" b="1" dirty="0" err="1">
-                <a:solidFill>
-                  <a:srgbClr val="000000"/>
-                </a:solidFill>
-                <a:effectLst/>
-                <a:latin typeface="JetBrains Mono"/>
-              </a:rPr>
-              <a:t>Vec</a:t>
-            </a:r>
-            <a:r>
-              <a:rPr lang="en-US" b="1" dirty="0">
-                <a:solidFill>
-                  <a:srgbClr val="080808"/>
-                </a:solidFill>
-                <a:effectLst/>
-                <a:latin typeface="JetBrains Mono"/>
-              </a:rPr>
-              <a:t>&lt;</a:t>
-            </a:r>
-            <a:r>
-              <a:rPr lang="en-US" b="1" dirty="0">
-                <a:solidFill>
-                  <a:srgbClr val="000000"/>
-                </a:solidFill>
-                <a:effectLst/>
-                <a:latin typeface="JetBrains Mono"/>
-              </a:rPr>
-              <a:t>String</a:t>
-            </a:r>
-            <a:r>
-              <a:rPr lang="en-US" b="1" dirty="0">
-                <a:solidFill>
-                  <a:srgbClr val="080808"/>
-                </a:solidFill>
-                <a:effectLst/>
-                <a:latin typeface="JetBrains Mono"/>
-              </a:rPr>
-              <a:t>&gt; </a:t>
-            </a:r>
-            <a:r>
-              <a:rPr lang="en-US" dirty="0">
-                <a:solidFill>
-                  <a:srgbClr val="080808"/>
-                </a:solidFill>
-                <a:effectLst/>
-                <a:latin typeface="JetBrains Mono"/>
-              </a:rPr>
-              <a:t>= </a:t>
-            </a:r>
-            <a:r>
-              <a:rPr lang="en-US" dirty="0" err="1">
-                <a:solidFill>
-                  <a:srgbClr val="000000"/>
-                </a:solidFill>
-                <a:effectLst/>
-                <a:latin typeface="JetBrains Mono"/>
-              </a:rPr>
-              <a:t>vector</a:t>
-            </a:r>
-            <a:r>
-              <a:rPr lang="en-US" dirty="0" err="1">
-                <a:solidFill>
-                  <a:srgbClr val="080808"/>
-                </a:solidFill>
-                <a:effectLst/>
-                <a:latin typeface="JetBrains Mono"/>
-              </a:rPr>
-              <a:t>.iter</a:t>
-            </a:r>
-            <a:r>
-              <a:rPr lang="en-US" dirty="0">
-                <a:solidFill>
-                  <a:srgbClr val="080808"/>
-                </a:solidFill>
-                <a:effectLst/>
-                <a:latin typeface="JetBrains Mono"/>
-              </a:rPr>
-              <a:t>()</a:t>
-            </a:r>
-            <a:br>
-              <a:rPr lang="en-US" dirty="0">
-                <a:solidFill>
-                  <a:srgbClr val="080808"/>
-                </a:solidFill>
-                <a:effectLst/>
-                <a:latin typeface="JetBrains Mono"/>
-              </a:rPr>
-            </a:br>
-            <a:r>
-              <a:rPr lang="en-US" dirty="0">
-                <a:solidFill>
-                  <a:srgbClr val="080808"/>
-                </a:solidFill>
-                <a:effectLst/>
-                <a:latin typeface="JetBrains Mono"/>
-              </a:rPr>
-              <a:t>    .filter(|x| **x &gt; </a:t>
-            </a:r>
-            <a:r>
-              <a:rPr lang="en-US" dirty="0">
-                <a:solidFill>
-                  <a:srgbClr val="1750EB"/>
-                </a:solidFill>
-                <a:effectLst/>
-                <a:latin typeface="JetBrains Mono"/>
-              </a:rPr>
-              <a:t>5</a:t>
-            </a:r>
-            <a:r>
-              <a:rPr lang="en-US" dirty="0">
-                <a:solidFill>
-                  <a:srgbClr val="080808"/>
-                </a:solidFill>
-                <a:effectLst/>
-                <a:latin typeface="JetBrains Mono"/>
-              </a:rPr>
-              <a:t>)</a:t>
-            </a:r>
-            <a:br>
-              <a:rPr lang="en-US" dirty="0">
-                <a:solidFill>
-                  <a:srgbClr val="080808"/>
-                </a:solidFill>
-                <a:effectLst/>
-                <a:latin typeface="JetBrains Mono"/>
-              </a:rPr>
-            </a:br>
-            <a:r>
-              <a:rPr lang="en-US" dirty="0">
-                <a:solidFill>
-                  <a:srgbClr val="080808"/>
-                </a:solidFill>
-                <a:effectLst/>
-                <a:latin typeface="JetBrains Mono"/>
-              </a:rPr>
-              <a:t>    .map(|x| </a:t>
-            </a:r>
-            <a:r>
-              <a:rPr lang="en-US" dirty="0" err="1">
-                <a:solidFill>
-                  <a:srgbClr val="080808"/>
-                </a:solidFill>
-                <a:effectLst/>
-                <a:latin typeface="JetBrains Mono"/>
-              </a:rPr>
-              <a:t>x.to_string</a:t>
-            </a:r>
-            <a:r>
-              <a:rPr lang="en-US" dirty="0">
-                <a:solidFill>
-                  <a:srgbClr val="080808"/>
-                </a:solidFill>
-                <a:effectLst/>
-                <a:latin typeface="JetBrains Mono"/>
-              </a:rPr>
-              <a:t>())</a:t>
-            </a:r>
-            <a:br>
-              <a:rPr lang="en-US" dirty="0">
-                <a:solidFill>
-                  <a:srgbClr val="080808"/>
-                </a:solidFill>
-                <a:effectLst/>
-                <a:latin typeface="JetBrains Mono"/>
-              </a:rPr>
-            </a:br>
-            <a:r>
-              <a:rPr lang="en-US" dirty="0">
-                <a:solidFill>
-                  <a:srgbClr val="080808"/>
-                </a:solidFill>
-                <a:effectLst/>
-                <a:latin typeface="JetBrains Mono"/>
-              </a:rPr>
-              <a:t>    .</a:t>
-            </a:r>
-            <a:r>
-              <a:rPr lang="en-US" b="1" dirty="0">
-                <a:solidFill>
-                  <a:srgbClr val="080808"/>
-                </a:solidFill>
-                <a:effectLst/>
-                <a:latin typeface="JetBrains Mono"/>
-              </a:rPr>
-              <a:t>collect</a:t>
-            </a:r>
-            <a:r>
-              <a:rPr lang="en-US" dirty="0">
-                <a:solidFill>
-                  <a:srgbClr val="080808"/>
-                </a:solidFill>
-                <a:effectLst/>
-                <a:latin typeface="JetBrains Mono"/>
-              </a:rPr>
-              <a:t>();</a:t>
-            </a:r>
-          </a:p>
-          <a:p>
-            <a:pPr marL="0" indent="0">
-              <a:buNone/>
-            </a:pPr>
-            <a:endParaRPr lang="ru-RU" dirty="0"/>
-          </a:p>
-        </p:txBody>
-      </p:sp>
-    </p:spTree>
-    <p:extLst>
-      <p:ext uri="{BB962C8B-B14F-4D97-AF65-F5344CB8AC3E}">
-        <p14:creationId xmlns:p14="http://schemas.microsoft.com/office/powerpoint/2010/main" val="2435771522"/>
-      </p:ext>
-    </p:extLst>
-  </p:cSld>
-  <p:clrMapOvr>
-    <a:masterClrMapping/>
-  </p:clrMapOvr>
-</p:sld>
-</file>
-
 <file path=ppt/slides/slide4.xml><?xml version="1.0" encoding="utf-8"?>
 <p:sld xmlns:a="http://schemas.openxmlformats.org/drawingml/2006/main" xmlns:r="http://schemas.openxmlformats.org/officeDocument/2006/relationships" xmlns:p="http://schemas.openxmlformats.org/presentationml/2006/main">
   <p:cSld>
@@ -30905,6 +32132,583 @@
           <p:cNvPr id="2" name="Title 1">
             <a:extLst>
               <a:ext uri="{FF2B5EF4-FFF2-40B4-BE49-F238E27FC236}">
+                <a16:creationId xmlns:a16="http://schemas.microsoft.com/office/drawing/2014/main" id="{A01D6C51-2FA9-D000-ACCD-FBB856DA2E55}"/>
+              </a:ext>
+            </a:extLst>
+          </p:cNvPr>
+          <p:cNvSpPr>
+            <a:spLocks noGrp="1"/>
+          </p:cNvSpPr>
+          <p:nvPr>
+            <p:ph type="title"/>
+          </p:nvPr>
+        </p:nvSpPr>
+        <p:spPr/>
+        <p:txBody>
+          <a:bodyPr/>
+          <a:lstStyle/>
+          <a:p>
+            <a:r>
+              <a:rPr lang="en-US" dirty="0"/>
+              <a:t>Collectors</a:t>
+            </a:r>
+            <a:endParaRPr lang="ru-RU" dirty="0"/>
+          </a:p>
+        </p:txBody>
+      </p:sp>
+      <p:sp>
+        <p:nvSpPr>
+          <p:cNvPr id="3" name="Content Placeholder 2">
+            <a:extLst>
+              <a:ext uri="{FF2B5EF4-FFF2-40B4-BE49-F238E27FC236}">
+                <a16:creationId xmlns:a16="http://schemas.microsoft.com/office/drawing/2014/main" id="{0386BAF7-4B43-4663-9408-84B0A26A4D8E}"/>
+              </a:ext>
+            </a:extLst>
+          </p:cNvPr>
+          <p:cNvSpPr>
+            <a:spLocks noGrp="1"/>
+          </p:cNvSpPr>
+          <p:nvPr>
+            <p:ph idx="1"/>
+          </p:nvPr>
+        </p:nvSpPr>
+        <p:spPr/>
+        <p:txBody>
+          <a:bodyPr/>
+          <a:lstStyle/>
+          <a:p>
+            <a:pPr marL="0" indent="0">
+              <a:buNone/>
+            </a:pPr>
+            <a:r>
+              <a:rPr lang="en-US" dirty="0">
+                <a:solidFill>
+                  <a:srgbClr val="0033B3"/>
+                </a:solidFill>
+                <a:effectLst/>
+                <a:latin typeface="JetBrains Mono"/>
+              </a:rPr>
+              <a:t>let </a:t>
+            </a:r>
+            <a:r>
+              <a:rPr lang="en-US" dirty="0">
+                <a:solidFill>
+                  <a:srgbClr val="000000"/>
+                </a:solidFill>
+                <a:effectLst/>
+                <a:latin typeface="JetBrains Mono"/>
+              </a:rPr>
+              <a:t>vector </a:t>
+            </a:r>
+            <a:r>
+              <a:rPr lang="en-US" dirty="0">
+                <a:solidFill>
+                  <a:srgbClr val="080808"/>
+                </a:solidFill>
+                <a:effectLst/>
+                <a:latin typeface="JetBrains Mono"/>
+              </a:rPr>
+              <a:t>= </a:t>
+            </a:r>
+            <a:r>
+              <a:rPr lang="en-US" dirty="0" err="1">
+                <a:solidFill>
+                  <a:srgbClr val="DD6718"/>
+                </a:solidFill>
+                <a:effectLst/>
+                <a:latin typeface="JetBrains Mono"/>
+              </a:rPr>
+              <a:t>vec</a:t>
+            </a:r>
+            <a:r>
+              <a:rPr lang="en-US" dirty="0">
+                <a:solidFill>
+                  <a:srgbClr val="DD6718"/>
+                </a:solidFill>
+                <a:effectLst/>
+                <a:latin typeface="JetBrains Mono"/>
+              </a:rPr>
+              <a:t>!</a:t>
+            </a:r>
+            <a:r>
+              <a:rPr lang="en-US" dirty="0">
+                <a:solidFill>
+                  <a:srgbClr val="080808"/>
+                </a:solidFill>
+                <a:effectLst/>
+                <a:latin typeface="JetBrains Mono"/>
+              </a:rPr>
+              <a:t>[</a:t>
+            </a:r>
+            <a:r>
+              <a:rPr lang="en-US" dirty="0">
+                <a:solidFill>
+                  <a:srgbClr val="1750EB"/>
+                </a:solidFill>
+                <a:effectLst/>
+                <a:latin typeface="JetBrains Mono"/>
+              </a:rPr>
+              <a:t>1</a:t>
+            </a:r>
+            <a:r>
+              <a:rPr lang="en-US" dirty="0">
+                <a:solidFill>
+                  <a:srgbClr val="080808"/>
+                </a:solidFill>
+                <a:effectLst/>
+                <a:latin typeface="JetBrains Mono"/>
+              </a:rPr>
+              <a:t>, </a:t>
+            </a:r>
+            <a:r>
+              <a:rPr lang="en-US" dirty="0">
+                <a:solidFill>
+                  <a:srgbClr val="1750EB"/>
+                </a:solidFill>
+                <a:effectLst/>
+                <a:latin typeface="JetBrains Mono"/>
+              </a:rPr>
+              <a:t>2</a:t>
+            </a:r>
+            <a:r>
+              <a:rPr lang="en-US" dirty="0">
+                <a:solidFill>
+                  <a:srgbClr val="080808"/>
+                </a:solidFill>
+                <a:effectLst/>
+                <a:latin typeface="JetBrains Mono"/>
+              </a:rPr>
+              <a:t>, </a:t>
+            </a:r>
+            <a:r>
+              <a:rPr lang="en-US" dirty="0">
+                <a:solidFill>
+                  <a:srgbClr val="1750EB"/>
+                </a:solidFill>
+                <a:effectLst/>
+                <a:latin typeface="JetBrains Mono"/>
+              </a:rPr>
+              <a:t>3</a:t>
+            </a:r>
+            <a:r>
+              <a:rPr lang="en-US" dirty="0">
+                <a:solidFill>
+                  <a:srgbClr val="080808"/>
+                </a:solidFill>
+                <a:effectLst/>
+                <a:latin typeface="JetBrains Mono"/>
+              </a:rPr>
+              <a:t>, </a:t>
+            </a:r>
+            <a:r>
+              <a:rPr lang="en-US" dirty="0">
+                <a:solidFill>
+                  <a:srgbClr val="1750EB"/>
+                </a:solidFill>
+                <a:effectLst/>
+                <a:latin typeface="JetBrains Mono"/>
+              </a:rPr>
+              <a:t>4</a:t>
+            </a:r>
+            <a:r>
+              <a:rPr lang="en-US" dirty="0">
+                <a:solidFill>
+                  <a:srgbClr val="080808"/>
+                </a:solidFill>
+                <a:effectLst/>
+                <a:latin typeface="JetBrains Mono"/>
+              </a:rPr>
+              <a:t>, </a:t>
+            </a:r>
+            <a:r>
+              <a:rPr lang="en-US" dirty="0">
+                <a:solidFill>
+                  <a:srgbClr val="1750EB"/>
+                </a:solidFill>
+                <a:effectLst/>
+                <a:latin typeface="JetBrains Mono"/>
+              </a:rPr>
+              <a:t>5</a:t>
+            </a:r>
+            <a:r>
+              <a:rPr lang="en-US" dirty="0">
+                <a:solidFill>
+                  <a:srgbClr val="080808"/>
+                </a:solidFill>
+                <a:effectLst/>
+                <a:latin typeface="JetBrains Mono"/>
+              </a:rPr>
+              <a:t>, </a:t>
+            </a:r>
+            <a:r>
+              <a:rPr lang="en-US" dirty="0">
+                <a:solidFill>
+                  <a:srgbClr val="1750EB"/>
+                </a:solidFill>
+                <a:effectLst/>
+                <a:latin typeface="JetBrains Mono"/>
+              </a:rPr>
+              <a:t>6</a:t>
+            </a:r>
+            <a:r>
+              <a:rPr lang="en-US" dirty="0">
+                <a:solidFill>
+                  <a:srgbClr val="080808"/>
+                </a:solidFill>
+                <a:effectLst/>
+                <a:latin typeface="JetBrains Mono"/>
+              </a:rPr>
+              <a:t>, </a:t>
+            </a:r>
+            <a:r>
+              <a:rPr lang="en-US" dirty="0">
+                <a:solidFill>
+                  <a:srgbClr val="1750EB"/>
+                </a:solidFill>
+                <a:effectLst/>
+                <a:latin typeface="JetBrains Mono"/>
+              </a:rPr>
+              <a:t>7</a:t>
+            </a:r>
+            <a:r>
+              <a:rPr lang="en-US" dirty="0">
+                <a:solidFill>
+                  <a:srgbClr val="080808"/>
+                </a:solidFill>
+                <a:effectLst/>
+                <a:latin typeface="JetBrains Mono"/>
+              </a:rPr>
+              <a:t>, </a:t>
+            </a:r>
+            <a:r>
+              <a:rPr lang="en-US" dirty="0">
+                <a:solidFill>
+                  <a:srgbClr val="1750EB"/>
+                </a:solidFill>
+                <a:effectLst/>
+                <a:latin typeface="JetBrains Mono"/>
+              </a:rPr>
+              <a:t>8</a:t>
+            </a:r>
+            <a:r>
+              <a:rPr lang="en-US" dirty="0">
+                <a:solidFill>
+                  <a:srgbClr val="080808"/>
+                </a:solidFill>
+                <a:effectLst/>
+                <a:latin typeface="JetBrains Mono"/>
+              </a:rPr>
+              <a:t>, </a:t>
+            </a:r>
+            <a:r>
+              <a:rPr lang="en-US" dirty="0">
+                <a:solidFill>
+                  <a:srgbClr val="1750EB"/>
+                </a:solidFill>
+                <a:effectLst/>
+                <a:latin typeface="JetBrains Mono"/>
+              </a:rPr>
+              <a:t>9</a:t>
+            </a:r>
+            <a:r>
+              <a:rPr lang="en-US" dirty="0">
+                <a:solidFill>
+                  <a:srgbClr val="080808"/>
+                </a:solidFill>
+                <a:effectLst/>
+                <a:latin typeface="JetBrains Mono"/>
+              </a:rPr>
+              <a:t>];</a:t>
+            </a:r>
+            <a:br>
+              <a:rPr lang="en-US" dirty="0">
+                <a:solidFill>
+                  <a:srgbClr val="080808"/>
+                </a:solidFill>
+                <a:effectLst/>
+                <a:latin typeface="JetBrains Mono"/>
+              </a:rPr>
+            </a:br>
+            <a:br>
+              <a:rPr lang="en-US" dirty="0">
+                <a:solidFill>
+                  <a:srgbClr val="080808"/>
+                </a:solidFill>
+                <a:effectLst/>
+                <a:latin typeface="JetBrains Mono"/>
+              </a:rPr>
+            </a:br>
+            <a:r>
+              <a:rPr lang="en-US" dirty="0">
+                <a:solidFill>
+                  <a:srgbClr val="0033B3"/>
+                </a:solidFill>
+                <a:effectLst/>
+                <a:latin typeface="JetBrains Mono"/>
+              </a:rPr>
+              <a:t>let </a:t>
+            </a:r>
+            <a:r>
+              <a:rPr lang="en-US" dirty="0">
+                <a:solidFill>
+                  <a:srgbClr val="000000"/>
+                </a:solidFill>
+                <a:effectLst/>
+                <a:latin typeface="JetBrains Mono"/>
+              </a:rPr>
+              <a:t>result</a:t>
+            </a:r>
+            <a:r>
+              <a:rPr lang="en-US" dirty="0">
+                <a:solidFill>
+                  <a:srgbClr val="080808"/>
+                </a:solidFill>
+                <a:effectLst/>
+                <a:latin typeface="JetBrains Mono"/>
+              </a:rPr>
+              <a:t>: </a:t>
+            </a:r>
+            <a:r>
+              <a:rPr lang="en-US" b="1" dirty="0" err="1">
+                <a:solidFill>
+                  <a:srgbClr val="000000"/>
+                </a:solidFill>
+                <a:effectLst/>
+                <a:latin typeface="JetBrains Mono"/>
+              </a:rPr>
+              <a:t>Vec</a:t>
+            </a:r>
+            <a:r>
+              <a:rPr lang="en-US" b="1" dirty="0">
+                <a:solidFill>
+                  <a:srgbClr val="080808"/>
+                </a:solidFill>
+                <a:effectLst/>
+                <a:latin typeface="JetBrains Mono"/>
+              </a:rPr>
+              <a:t>&lt;</a:t>
+            </a:r>
+            <a:r>
+              <a:rPr lang="en-US" b="1" dirty="0">
+                <a:solidFill>
+                  <a:srgbClr val="000000"/>
+                </a:solidFill>
+                <a:effectLst/>
+                <a:latin typeface="JetBrains Mono"/>
+              </a:rPr>
+              <a:t>String</a:t>
+            </a:r>
+            <a:r>
+              <a:rPr lang="en-US" b="1" dirty="0">
+                <a:solidFill>
+                  <a:srgbClr val="080808"/>
+                </a:solidFill>
+                <a:effectLst/>
+                <a:latin typeface="JetBrains Mono"/>
+              </a:rPr>
+              <a:t>&gt; </a:t>
+            </a:r>
+            <a:r>
+              <a:rPr lang="en-US" dirty="0">
+                <a:solidFill>
+                  <a:srgbClr val="080808"/>
+                </a:solidFill>
+                <a:effectLst/>
+                <a:latin typeface="JetBrains Mono"/>
+              </a:rPr>
+              <a:t>= </a:t>
+            </a:r>
+            <a:r>
+              <a:rPr lang="en-US" dirty="0" err="1">
+                <a:solidFill>
+                  <a:srgbClr val="000000"/>
+                </a:solidFill>
+                <a:effectLst/>
+                <a:latin typeface="JetBrains Mono"/>
+              </a:rPr>
+              <a:t>vector</a:t>
+            </a:r>
+            <a:r>
+              <a:rPr lang="en-US" dirty="0" err="1">
+                <a:solidFill>
+                  <a:srgbClr val="080808"/>
+                </a:solidFill>
+                <a:effectLst/>
+                <a:latin typeface="JetBrains Mono"/>
+              </a:rPr>
+              <a:t>.iter</a:t>
+            </a:r>
+            <a:r>
+              <a:rPr lang="en-US" dirty="0">
+                <a:solidFill>
+                  <a:srgbClr val="080808"/>
+                </a:solidFill>
+                <a:effectLst/>
+                <a:latin typeface="JetBrains Mono"/>
+              </a:rPr>
+              <a:t>()</a:t>
+            </a:r>
+            <a:br>
+              <a:rPr lang="en-US" dirty="0">
+                <a:solidFill>
+                  <a:srgbClr val="080808"/>
+                </a:solidFill>
+                <a:effectLst/>
+                <a:latin typeface="JetBrains Mono"/>
+              </a:rPr>
+            </a:br>
+            <a:r>
+              <a:rPr lang="en-US" dirty="0">
+                <a:solidFill>
+                  <a:srgbClr val="080808"/>
+                </a:solidFill>
+                <a:effectLst/>
+                <a:latin typeface="JetBrains Mono"/>
+              </a:rPr>
+              <a:t>    .filter(|x| **x &gt; </a:t>
+            </a:r>
+            <a:r>
+              <a:rPr lang="en-US" dirty="0">
+                <a:solidFill>
+                  <a:srgbClr val="1750EB"/>
+                </a:solidFill>
+                <a:effectLst/>
+                <a:latin typeface="JetBrains Mono"/>
+              </a:rPr>
+              <a:t>5</a:t>
+            </a:r>
+            <a:r>
+              <a:rPr lang="en-US" dirty="0">
+                <a:solidFill>
+                  <a:srgbClr val="080808"/>
+                </a:solidFill>
+                <a:effectLst/>
+                <a:latin typeface="JetBrains Mono"/>
+              </a:rPr>
+              <a:t>)</a:t>
+            </a:r>
+            <a:br>
+              <a:rPr lang="en-US" dirty="0">
+                <a:solidFill>
+                  <a:srgbClr val="080808"/>
+                </a:solidFill>
+                <a:effectLst/>
+                <a:latin typeface="JetBrains Mono"/>
+              </a:rPr>
+            </a:br>
+            <a:r>
+              <a:rPr lang="en-US" dirty="0">
+                <a:solidFill>
+                  <a:srgbClr val="080808"/>
+                </a:solidFill>
+                <a:effectLst/>
+                <a:latin typeface="JetBrains Mono"/>
+              </a:rPr>
+              <a:t>    .map(|x| </a:t>
+            </a:r>
+            <a:r>
+              <a:rPr lang="en-US" dirty="0" err="1">
+                <a:solidFill>
+                  <a:srgbClr val="080808"/>
+                </a:solidFill>
+                <a:effectLst/>
+                <a:latin typeface="JetBrains Mono"/>
+              </a:rPr>
+              <a:t>x.to_string</a:t>
+            </a:r>
+            <a:r>
+              <a:rPr lang="en-US" dirty="0">
+                <a:solidFill>
+                  <a:srgbClr val="080808"/>
+                </a:solidFill>
+                <a:effectLst/>
+                <a:latin typeface="JetBrains Mono"/>
+              </a:rPr>
+              <a:t>())</a:t>
+            </a:r>
+            <a:br>
+              <a:rPr lang="en-US" dirty="0">
+                <a:solidFill>
+                  <a:srgbClr val="080808"/>
+                </a:solidFill>
+                <a:effectLst/>
+                <a:latin typeface="JetBrains Mono"/>
+              </a:rPr>
+            </a:br>
+            <a:r>
+              <a:rPr lang="en-US" dirty="0">
+                <a:solidFill>
+                  <a:srgbClr val="080808"/>
+                </a:solidFill>
+                <a:effectLst/>
+                <a:latin typeface="JetBrains Mono"/>
+              </a:rPr>
+              <a:t>    .</a:t>
+            </a:r>
+            <a:r>
+              <a:rPr lang="en-US" b="1" dirty="0">
+                <a:solidFill>
+                  <a:srgbClr val="080808"/>
+                </a:solidFill>
+                <a:effectLst/>
+                <a:latin typeface="JetBrains Mono"/>
+              </a:rPr>
+              <a:t>collect</a:t>
+            </a:r>
+            <a:r>
+              <a:rPr lang="en-US" dirty="0">
+                <a:solidFill>
+                  <a:srgbClr val="080808"/>
+                </a:solidFill>
+                <a:effectLst/>
+                <a:latin typeface="JetBrains Mono"/>
+              </a:rPr>
+              <a:t>();</a:t>
+            </a:r>
+          </a:p>
+          <a:p>
+            <a:pPr marL="0" indent="0">
+              <a:buNone/>
+            </a:pPr>
+            <a:endParaRPr lang="ru-RU" dirty="0"/>
+          </a:p>
+        </p:txBody>
+      </p:sp>
+    </p:spTree>
+    <p:extLst>
+      <p:ext uri="{BB962C8B-B14F-4D97-AF65-F5344CB8AC3E}">
+        <p14:creationId xmlns:p14="http://schemas.microsoft.com/office/powerpoint/2010/main" val="2435771522"/>
+      </p:ext>
+    </p:extLst>
+  </p:cSld>
+  <p:clrMapOvr>
+    <a:masterClrMapping/>
+  </p:clrMapOvr>
+</p:sld>
+</file>
+
+<file path=ppt/slides/slide41.xml><?xml version="1.0" encoding="utf-8"?>
+<p:sld xmlns:a="http://schemas.openxmlformats.org/drawingml/2006/main" xmlns:r="http://schemas.openxmlformats.org/officeDocument/2006/relationships" xmlns:p="http://schemas.openxmlformats.org/presentationml/2006/main">
+  <p:cSld>
+    <p:spTree>
+      <p:nvGrpSpPr>
+        <p:cNvPr id="1" name=""/>
+        <p:cNvGrpSpPr/>
+        <p:nvPr/>
+      </p:nvGrpSpPr>
+      <p:grpSpPr>
+        <a:xfrm>
+          <a:off x="0" y="0"/>
+          <a:ext cx="0" cy="0"/>
+          <a:chOff x="0" y="0"/>
+          <a:chExt cx="0" cy="0"/>
+        </a:xfrm>
+      </p:grpSpPr>
+      <p:sp>
+        <p:nvSpPr>
+          <p:cNvPr id="2" name="Title 1">
+            <a:extLst>
+              <a:ext uri="{FF2B5EF4-FFF2-40B4-BE49-F238E27FC236}">
                 <a16:creationId xmlns:a16="http://schemas.microsoft.com/office/drawing/2014/main" id="{2E02018F-E22E-89A8-82CF-E0D32C7CF027}"/>
               </a:ext>
             </a:extLst>
@@ -31504,7 +33308,7 @@
 </p:sld>
 </file>
 
-<file path=ppt/slides/slide41.xml><?xml version="1.0" encoding="utf-8"?>
+<file path=ppt/slides/slide42.xml><?xml version="1.0" encoding="utf-8"?>
 <p:sld xmlns:a="http://schemas.openxmlformats.org/drawingml/2006/main" xmlns:r="http://schemas.openxmlformats.org/officeDocument/2006/relationships" xmlns:p="http://schemas.openxmlformats.org/presentationml/2006/main">
   <p:cSld>
     <p:spTree>
@@ -32329,7 +34133,7 @@
 </p:sld>
 </file>
 
-<file path=ppt/slides/slide42.xml><?xml version="1.0" encoding="utf-8"?>
+<file path=ppt/slides/slide43.xml><?xml version="1.0" encoding="utf-8"?>
 <p:sld xmlns:a="http://schemas.openxmlformats.org/drawingml/2006/main" xmlns:r="http://schemas.openxmlformats.org/officeDocument/2006/relationships" xmlns:p="http://schemas.openxmlformats.org/presentationml/2006/main">
   <p:cSld>
     <p:spTree>
